--- a/John-Ebose-Project-Presentation--COVID-19-Impact-on-ABC-Company.pptx
+++ b/John-Ebose-Project-Presentation--COVID-19-Impact-on-ABC-Company.pptx
@@ -5,36 +5,37 @@
     <p:sldMasterId id="2147483648" r:id="rId1"/>
   </p:sldMasterIdLst>
   <p:notesMasterIdLst>
-    <p:notesMasterId r:id="rId14"/>
+    <p:notesMasterId r:id="rId15"/>
   </p:notesMasterIdLst>
   <p:sldIdLst>
     <p:sldId id="256" r:id="rId2"/>
     <p:sldId id="257" r:id="rId3"/>
-    <p:sldId id="258" r:id="rId4"/>
-    <p:sldId id="259" r:id="rId5"/>
+    <p:sldId id="261" r:id="rId4"/>
+    <p:sldId id="258" r:id="rId5"/>
     <p:sldId id="260" r:id="rId6"/>
-    <p:sldId id="261" r:id="rId7"/>
-    <p:sldId id="262" r:id="rId8"/>
-    <p:sldId id="263" r:id="rId9"/>
-    <p:sldId id="264" r:id="rId10"/>
-    <p:sldId id="265" r:id="rId11"/>
-    <p:sldId id="266" r:id="rId12"/>
-    <p:sldId id="272" r:id="rId13"/>
+    <p:sldId id="262" r:id="rId7"/>
+    <p:sldId id="264" r:id="rId8"/>
+    <p:sldId id="275" r:id="rId9"/>
+    <p:sldId id="276" r:id="rId10"/>
+    <p:sldId id="266" r:id="rId11"/>
+    <p:sldId id="274" r:id="rId12"/>
+    <p:sldId id="278" r:id="rId13"/>
+    <p:sldId id="272" r:id="rId14"/>
   </p:sldIdLst>
   <p:sldSz cx="18288000" cy="10287000"/>
   <p:notesSz cx="6858000" cy="9144000"/>
   <p:embeddedFontLst>
     <p:embeddedFont>
       <p:font typeface="Clear Sans" panose="020B0604020202020204" charset="0"/>
-      <p:regular r:id="rId15"/>
+      <p:regular r:id="rId16"/>
     </p:embeddedFont>
     <p:embeddedFont>
       <p:font typeface="Clear Sans Bold" panose="020B0604020202020204" charset="0"/>
-      <p:regular r:id="rId16"/>
+      <p:regular r:id="rId17"/>
     </p:embeddedFont>
     <p:embeddedFont>
       <p:font typeface="Tenor Sans" panose="020B0604020202020204" charset="0"/>
-      <p:regular r:id="rId17"/>
+      <p:regular r:id="rId18"/>
     </p:embeddedFont>
   </p:embeddedFontLst>
   <p:defaultTextStyle>
@@ -233,7 +234,7 @@
           <a:p>
             <a:fld id="{663F2F96-465B-4CAF-98D2-0001C6405620}" type="datetimeFigureOut">
               <a:rPr lang="en-CA" smtClean="0"/>
-              <a:t>2025-12-09</a:t>
+              <a:t>2025-12-13</a:t>
             </a:fld>
             <a:endParaRPr lang="en-CA"/>
           </a:p>
@@ -678,9 +679,9 @@
           <a:bodyPr/>
           <a:lstStyle/>
           <a:p>
-            <a:fld id="{25CDF3FF-9510-44A0-8BC4-50F704FDA22E}" type="datetime1">
+            <a:fld id="{93C48991-0F19-4044-8570-0CBAC7A2C3AE}" type="datetime1">
               <a:rPr lang="en-US" smtClean="0"/>
-              <a:t>12/9/2025</a:t>
+              <a:t>12/13/2025</a:t>
             </a:fld>
             <a:endParaRPr lang="en-US"/>
           </a:p>
@@ -842,9 +843,9 @@
           <a:bodyPr/>
           <a:lstStyle/>
           <a:p>
-            <a:fld id="{0353BE3D-6046-462C-A994-EB0A702CB076}" type="datetime1">
+            <a:fld id="{A7F36B72-2D82-4759-8491-F4E6501B9145}" type="datetime1">
               <a:rPr lang="en-US" smtClean="0"/>
-              <a:t>12/9/2025</a:t>
+              <a:t>12/13/2025</a:t>
             </a:fld>
             <a:endParaRPr lang="en-US"/>
           </a:p>
@@ -1016,9 +1017,9 @@
           <a:bodyPr/>
           <a:lstStyle/>
           <a:p>
-            <a:fld id="{AB04B001-C360-488C-825E-CBF99EA9B354}" type="datetime1">
+            <a:fld id="{CB3C8B38-65C8-4C3C-9092-ED6E031581E3}" type="datetime1">
               <a:rPr lang="en-US" smtClean="0"/>
-              <a:t>12/9/2025</a:t>
+              <a:t>12/13/2025</a:t>
             </a:fld>
             <a:endParaRPr lang="en-US"/>
           </a:p>
@@ -1180,9 +1181,9 @@
           <a:bodyPr/>
           <a:lstStyle/>
           <a:p>
-            <a:fld id="{3A2CF869-7E65-4EB0-BBCD-4D6762BD196E}" type="datetime1">
+            <a:fld id="{00242FAD-FAFA-435A-83A8-620FDBFE0F4A}" type="datetime1">
               <a:rPr lang="en-US" smtClean="0"/>
-              <a:t>12/9/2025</a:t>
+              <a:t>12/13/2025</a:t>
             </a:fld>
             <a:endParaRPr lang="en-US"/>
           </a:p>
@@ -1421,9 +1422,9 @@
           <a:bodyPr/>
           <a:lstStyle/>
           <a:p>
-            <a:fld id="{4E0B174E-0DA8-40CA-8D62-2A94E43841BF}" type="datetime1">
+            <a:fld id="{5020FD6B-9959-4585-A700-3662C1FDF629}" type="datetime1">
               <a:rPr lang="en-US" smtClean="0"/>
-              <a:t>12/9/2025</a:t>
+              <a:t>12/13/2025</a:t>
             </a:fld>
             <a:endParaRPr lang="en-US"/>
           </a:p>
@@ -1702,9 +1703,9 @@
           <a:bodyPr/>
           <a:lstStyle/>
           <a:p>
-            <a:fld id="{A6CCE9C1-7429-4B7F-A942-637C6282F7C0}" type="datetime1">
+            <a:fld id="{8F00498F-5A1F-4823-8677-2B2C1776B822}" type="datetime1">
               <a:rPr lang="en-US" smtClean="0"/>
-              <a:t>12/9/2025</a:t>
+              <a:t>12/13/2025</a:t>
             </a:fld>
             <a:endParaRPr lang="en-US"/>
           </a:p>
@@ -2117,9 +2118,9 @@
           <a:bodyPr/>
           <a:lstStyle/>
           <a:p>
-            <a:fld id="{0962D095-0B77-47B9-A309-E6CA16934254}" type="datetime1">
+            <a:fld id="{621C38B9-47FD-460E-83D8-98486B13545C}" type="datetime1">
               <a:rPr lang="en-US" smtClean="0"/>
-              <a:t>12/9/2025</a:t>
+              <a:t>12/13/2025</a:t>
             </a:fld>
             <a:endParaRPr lang="en-US"/>
           </a:p>
@@ -2230,9 +2231,9 @@
           <a:bodyPr/>
           <a:lstStyle/>
           <a:p>
-            <a:fld id="{F640FD23-E105-4723-92AE-4E2DC8F6097A}" type="datetime1">
+            <a:fld id="{06560A88-B74E-4D37-A1EF-FB698924AEF1}" type="datetime1">
               <a:rPr lang="en-US" smtClean="0"/>
-              <a:t>12/9/2025</a:t>
+              <a:t>12/13/2025</a:t>
             </a:fld>
             <a:endParaRPr lang="en-US"/>
           </a:p>
@@ -2321,9 +2322,9 @@
           <a:bodyPr/>
           <a:lstStyle/>
           <a:p>
-            <a:fld id="{E7E37F34-DAA0-4DF4-9E1B-832ADF4DE0BF}" type="datetime1">
+            <a:fld id="{E405E3EA-9211-4D22-AAFF-0CBF5079AF45}" type="datetime1">
               <a:rPr lang="en-US" smtClean="0"/>
-              <a:t>12/9/2025</a:t>
+              <a:t>12/13/2025</a:t>
             </a:fld>
             <a:endParaRPr lang="en-US"/>
           </a:p>
@@ -2592,9 +2593,9 @@
           <a:bodyPr/>
           <a:lstStyle/>
           <a:p>
-            <a:fld id="{2952F94A-3DA8-446D-BA45-AC7166EFD0F2}" type="datetime1">
+            <a:fld id="{BED97F01-EB90-4EFD-811D-FD6E3C8DEF95}" type="datetime1">
               <a:rPr lang="en-US" smtClean="0"/>
-              <a:t>12/9/2025</a:t>
+              <a:t>12/13/2025</a:t>
             </a:fld>
             <a:endParaRPr lang="en-US"/>
           </a:p>
@@ -2840,9 +2841,9 @@
           <a:bodyPr/>
           <a:lstStyle/>
           <a:p>
-            <a:fld id="{4C5F3C5B-4872-4F25-92DC-530D166B7024}" type="datetime1">
+            <a:fld id="{F2EC3067-9F81-44D0-A786-4C5D80C635EB}" type="datetime1">
               <a:rPr lang="en-US" smtClean="0"/>
-              <a:t>12/9/2025</a:t>
+              <a:t>12/13/2025</a:t>
             </a:fld>
             <a:endParaRPr lang="en-US"/>
           </a:p>
@@ -3047,9 +3048,9 @@
             </a:lvl1pPr>
           </a:lstStyle>
           <a:p>
-            <a:fld id="{ABA4C0BB-1CB9-424A-8C24-145170257E34}" type="datetime1">
+            <a:fld id="{028DCCAD-C764-4098-A512-34C5106D3F39}" type="datetime1">
               <a:rPr lang="en-US" smtClean="0"/>
-              <a:t>12/9/2025</a:t>
+              <a:t>12/13/2025</a:t>
             </a:fld>
             <a:endParaRPr lang="en-US"/>
           </a:p>
@@ -3150,7 +3151,7 @@
     <p:sldLayoutId id="2147483658" r:id="rId10"/>
     <p:sldLayoutId id="2147483659" r:id="rId11"/>
   </p:sldLayoutIdLst>
-  <p:hf hdr="0" ftr="0" dt="0"/>
+  <p:hf hdr="0" dt="0"/>
   <p:txStyles>
     <p:titleStyle>
       <a:lvl1pPr algn="ctr" defTabSz="914400" rtl="0" eaLnBrk="1" latinLnBrk="0" hangingPunct="1">
@@ -3470,7 +3471,7 @@
                 </a:lnSpc>
               </a:pPr>
               <a:r>
-                <a:rPr lang="en-US" sz="10500" spc="-210">
+                <a:rPr lang="en-US" sz="10500" spc="-210" dirty="0">
                   <a:solidFill>
                     <a:srgbClr val="074559"/>
                   </a:solidFill>
@@ -3654,7 +3655,12 @@
             <p:ph type="sldNum" sz="quarter" idx="12"/>
           </p:nvPr>
         </p:nvSpPr>
-        <p:spPr/>
+        <p:spPr>
+          <a:xfrm>
+            <a:off x="15621000" y="9791700"/>
+            <a:ext cx="2133600" cy="365125"/>
+          </a:xfrm>
+        </p:spPr>
         <p:txBody>
           <a:bodyPr/>
           <a:lstStyle/>
@@ -3664,7 +3670,7 @@
               <a:pPr/>
               <a:t>1</a:t>
             </a:fld>
-            <a:endParaRPr lang="en-US"/>
+            <a:endParaRPr lang="en-US" dirty="0"/>
           </a:p>
         </p:txBody>
       </p:sp>
@@ -3701,26 +3707,26 @@
         </p:nvSpPr>
         <p:spPr>
           <a:xfrm>
-            <a:off x="359133" y="1019175"/>
-            <a:ext cx="17090469" cy="828675"/>
+            <a:off x="1371600" y="590510"/>
+            <a:ext cx="15196456" cy="834587"/>
           </a:xfrm>
           <a:prstGeom prst="rect">
             <a:avLst/>
           </a:prstGeom>
         </p:spPr>
         <p:txBody>
-          <a:bodyPr lIns="0" tIns="0" rIns="0" bIns="0" rtlCol="0" anchor="t">
+          <a:bodyPr wrap="square" lIns="0" tIns="0" rIns="0" bIns="0" rtlCol="0" anchor="t">
             <a:spAutoFit/>
           </a:bodyPr>
           <a:lstStyle/>
           <a:p>
-            <a:pPr marL="0" lvl="0" indent="0" algn="ctr">
+            <a:pPr algn="ctr">
               <a:lnSpc>
-                <a:spcPts val="6480"/>
+                <a:spcPts val="6754"/>
               </a:lnSpc>
             </a:pPr>
             <a:r>
-              <a:rPr lang="en-US" sz="5400" spc="-108" dirty="0">
+              <a:rPr lang="en-US" sz="5628" spc="-112" dirty="0">
                 <a:solidFill>
                   <a:srgbClr val="4A90E2"/>
                 </a:solidFill>
@@ -3729,283 +3735,38 @@
                 <a:cs typeface="Tenor Sans"/>
                 <a:sym typeface="Tenor Sans"/>
               </a:rPr>
-              <a:t>Impact on Volumes and Revenue by Group</a:t>
-            </a:r>
-          </a:p>
-        </p:txBody>
-      </p:sp>
-      <p:sp>
-        <p:nvSpPr>
-          <p:cNvPr id="4" name="TextBox 4"/>
-          <p:cNvSpPr txBox="1"/>
-          <p:nvPr/>
-        </p:nvSpPr>
-        <p:spPr>
-          <a:xfrm>
-            <a:off x="359133" y="2171700"/>
-            <a:ext cx="7707964" cy="7856766"/>
-          </a:xfrm>
-          <a:prstGeom prst="rect">
-            <a:avLst/>
-          </a:prstGeom>
-        </p:spPr>
-        <p:txBody>
-          <a:bodyPr wrap="square" lIns="0" tIns="0" rIns="0" bIns="0" rtlCol="0" anchor="t">
-            <a:spAutoFit/>
-          </a:bodyPr>
-          <a:lstStyle/>
-          <a:p>
-            <a:pPr marL="0" lvl="0" indent="0" algn="l">
-              <a:lnSpc>
-                <a:spcPts val="4396"/>
-              </a:lnSpc>
-              <a:spcBef>
-                <a:spcPct val="0"/>
-              </a:spcBef>
-            </a:pPr>
-            <a:r>
-              <a:rPr lang="en-US" sz="3140" dirty="0">
-                <a:solidFill>
-                  <a:srgbClr val="074559"/>
-                </a:solidFill>
-                <a:latin typeface="Clear Sans"/>
-                <a:ea typeface="Clear Sans"/>
-                <a:cs typeface="Clear Sans"/>
-                <a:sym typeface="Clear Sans"/>
+              <a:t>📦 </a:t>
+            </a:r>
+            <a:r>
+              <a:rPr lang="en-US" sz="3200" spc="-112" dirty="0">
+                <a:solidFill>
+                  <a:srgbClr val="4A90E2"/>
+                </a:solidFill>
+                <a:latin typeface="Tenor Sans"/>
+                <a:ea typeface="Tenor Sans"/>
+                <a:cs typeface="Tenor Sans"/>
+                <a:sym typeface="Tenor Sans"/>
               </a:rPr>
-              <a:t>Volumes and revenue increased meaningfully across all segments, with </a:t>
-            </a:r>
-            <a:r>
-              <a:rPr lang="en-US" sz="3140" b="1" dirty="0">
-                <a:solidFill>
-                  <a:srgbClr val="074559"/>
-                </a:solidFill>
-                <a:latin typeface="Clear Sans Bold"/>
-                <a:ea typeface="Clear Sans Bold"/>
-                <a:cs typeface="Clear Sans Bold"/>
-                <a:sym typeface="Clear Sans Bold"/>
-              </a:rPr>
-              <a:t>Medium and Small gaining share</a:t>
-            </a:r>
-            <a:r>
-              <a:rPr lang="en-US" sz="3140" dirty="0">
-                <a:solidFill>
-                  <a:srgbClr val="074559"/>
-                </a:solidFill>
-                <a:latin typeface="Clear Sans"/>
-                <a:ea typeface="Clear Sans"/>
-                <a:cs typeface="Clear Sans"/>
-                <a:sym typeface="Clear Sans"/>
-              </a:rPr>
-              <a:t>, while Enterprise maintained revenue leadership.</a:t>
-            </a:r>
-          </a:p>
-          <a:p>
-            <a:pPr marL="0" lvl="0" indent="0" algn="l">
-              <a:lnSpc>
-                <a:spcPts val="4396"/>
-              </a:lnSpc>
-              <a:spcBef>
-                <a:spcPct val="0"/>
-              </a:spcBef>
-            </a:pPr>
-            <a:r>
-              <a:rPr lang="en-US" sz="3140" b="1" dirty="0">
-                <a:solidFill>
-                  <a:srgbClr val="074559"/>
-                </a:solidFill>
-                <a:latin typeface="Clear Sans Bold"/>
-                <a:ea typeface="Clear Sans Bold"/>
-                <a:cs typeface="Clear Sans Bold"/>
-                <a:sym typeface="Clear Sans Bold"/>
-              </a:rPr>
-              <a:t>Evidence</a:t>
-            </a:r>
-          </a:p>
-          <a:p>
-            <a:pPr marL="678059" lvl="1" indent="-339030" algn="l">
-              <a:lnSpc>
-                <a:spcPts val="4396"/>
-              </a:lnSpc>
-              <a:spcBef>
-                <a:spcPct val="0"/>
-              </a:spcBef>
-              <a:buFont typeface="Arial"/>
-              <a:buChar char="•"/>
-            </a:pPr>
-            <a:r>
-              <a:rPr lang="en-US" sz="3140" dirty="0">
-                <a:solidFill>
-                  <a:srgbClr val="074559"/>
-                </a:solidFill>
-                <a:latin typeface="Clear Sans"/>
-                <a:ea typeface="Clear Sans"/>
-                <a:cs typeface="Clear Sans"/>
-                <a:sym typeface="Clear Sans"/>
-              </a:rPr>
-              <a:t>Volume Growth: Enterprise (+37%), Medium (+41%), Small (+51%)</a:t>
-            </a:r>
-          </a:p>
-          <a:p>
-            <a:pPr marL="678059" lvl="1" indent="-339030" algn="l">
-              <a:lnSpc>
-                <a:spcPts val="4396"/>
-              </a:lnSpc>
-              <a:spcBef>
-                <a:spcPct val="0"/>
-              </a:spcBef>
-              <a:buFont typeface="Arial"/>
-              <a:buChar char="•"/>
-            </a:pPr>
-            <a:r>
-              <a:rPr lang="en-US" sz="3140" dirty="0">
-                <a:solidFill>
-                  <a:srgbClr val="074559"/>
-                </a:solidFill>
-                <a:latin typeface="Clear Sans"/>
-                <a:ea typeface="Clear Sans"/>
-                <a:cs typeface="Clear Sans"/>
-                <a:sym typeface="Clear Sans"/>
-              </a:rPr>
-              <a:t>Revenue Growth: tracks volume by discount policy</a:t>
-            </a:r>
-          </a:p>
-          <a:p>
-            <a:pPr marL="678059" lvl="1" indent="-339030" algn="l">
-              <a:lnSpc>
-                <a:spcPts val="4396"/>
-              </a:lnSpc>
-              <a:spcBef>
-                <a:spcPct val="0"/>
-              </a:spcBef>
-              <a:buFont typeface="Arial"/>
-              <a:buChar char="•"/>
-            </a:pPr>
-            <a:r>
-              <a:rPr lang="en-US" sz="3140" dirty="0">
-                <a:solidFill>
-                  <a:srgbClr val="074559"/>
-                </a:solidFill>
-                <a:latin typeface="Clear Sans"/>
-                <a:ea typeface="Clear Sans"/>
-                <a:cs typeface="Clear Sans"/>
-                <a:sym typeface="Clear Sans"/>
-              </a:rPr>
-              <a:t>Slight share gain toward </a:t>
-            </a:r>
-            <a:r>
-              <a:rPr lang="en-US" sz="3140" b="1" dirty="0">
-                <a:solidFill>
-                  <a:srgbClr val="074559"/>
-                </a:solidFill>
-                <a:latin typeface="Clear Sans Bold"/>
-                <a:ea typeface="Clear Sans Bold"/>
-                <a:cs typeface="Clear Sans Bold"/>
-                <a:sym typeface="Clear Sans Bold"/>
-              </a:rPr>
-              <a:t>mid-market</a:t>
-            </a:r>
-          </a:p>
-          <a:p>
-            <a:pPr marL="0" lvl="0" indent="0" algn="l">
-              <a:lnSpc>
-                <a:spcPts val="4396"/>
-              </a:lnSpc>
-              <a:spcBef>
-                <a:spcPct val="0"/>
-              </a:spcBef>
-            </a:pPr>
-            <a:r>
-              <a:rPr lang="en-US" sz="3140" b="1" dirty="0">
-                <a:solidFill>
-                  <a:srgbClr val="074559"/>
-                </a:solidFill>
-                <a:latin typeface="Clear Sans Bold"/>
-                <a:ea typeface="Clear Sans Bold"/>
-                <a:cs typeface="Clear Sans Bold"/>
-                <a:sym typeface="Clear Sans Bold"/>
-              </a:rPr>
-              <a:t>Implication</a:t>
-            </a:r>
-          </a:p>
-          <a:p>
-            <a:pPr marL="0" lvl="0" indent="0" algn="l">
-              <a:lnSpc>
-                <a:spcPts val="4396"/>
-              </a:lnSpc>
-              <a:spcBef>
-                <a:spcPct val="0"/>
-              </a:spcBef>
-            </a:pPr>
-            <a:r>
-              <a:rPr lang="en-US" sz="3140" dirty="0">
-                <a:solidFill>
-                  <a:srgbClr val="074559"/>
-                </a:solidFill>
-                <a:latin typeface="Clear Sans"/>
-                <a:ea typeface="Clear Sans"/>
-                <a:cs typeface="Clear Sans"/>
-                <a:sym typeface="Clear Sans"/>
-              </a:rPr>
-              <a:t> Post-COVID strategy should combine </a:t>
-            </a:r>
-            <a:r>
-              <a:rPr lang="en-US" sz="3140" b="1" dirty="0">
-                <a:solidFill>
-                  <a:srgbClr val="074559"/>
-                </a:solidFill>
-                <a:latin typeface="Clear Sans Bold"/>
-                <a:ea typeface="Clear Sans Bold"/>
-                <a:cs typeface="Clear Sans Bold"/>
-                <a:sym typeface="Clear Sans Bold"/>
-              </a:rPr>
-              <a:t>Enterprise retention </a:t>
-            </a:r>
-            <a:r>
-              <a:rPr lang="en-US" sz="3140" dirty="0">
-                <a:solidFill>
-                  <a:srgbClr val="074559"/>
-                </a:solidFill>
-                <a:latin typeface="Clear Sans"/>
-                <a:ea typeface="Clear Sans"/>
-                <a:cs typeface="Clear Sans"/>
-                <a:sym typeface="Clear Sans"/>
-              </a:rPr>
-              <a:t>with </a:t>
-            </a:r>
-            <a:r>
-              <a:rPr lang="en-US" sz="3140" b="1" dirty="0">
-                <a:solidFill>
-                  <a:srgbClr val="074559"/>
-                </a:solidFill>
-                <a:latin typeface="Clear Sans Bold"/>
-                <a:ea typeface="Clear Sans Bold"/>
-                <a:cs typeface="Clear Sans Bold"/>
-                <a:sym typeface="Clear Sans Bold"/>
-              </a:rPr>
-              <a:t>mid-market enablement</a:t>
-            </a:r>
-            <a:r>
-              <a:rPr lang="en-US" sz="3140" dirty="0">
-                <a:solidFill>
-                  <a:srgbClr val="074559"/>
-                </a:solidFill>
-                <a:latin typeface="Clear Sans"/>
-                <a:ea typeface="Clear Sans"/>
-                <a:cs typeface="Clear Sans"/>
-                <a:sym typeface="Clear Sans"/>
-              </a:rPr>
-              <a:t>.</a:t>
-            </a:r>
-          </a:p>
-        </p:txBody>
-      </p:sp>
-      <p:sp>
-        <p:nvSpPr>
-          <p:cNvPr id="5" name="Slide Number Placeholder 4">
+              <a:t>Executive Summary: COVID Impact on ABC Parcel Business (2019→2020)</a:t>
+            </a:r>
+            <a:endParaRPr lang="en-US" sz="5628" b="1" spc="-112" dirty="0">
+              <a:solidFill>
+                <a:srgbClr val="4A90E2"/>
+              </a:solidFill>
+              <a:latin typeface="Tenor Sans"/>
+              <a:ea typeface="Tenor Sans"/>
+              <a:cs typeface="Tenor Sans"/>
+              <a:sym typeface="Tenor Sans"/>
+            </a:endParaRPr>
+          </a:p>
+        </p:txBody>
+      </p:sp>
+      <p:sp>
+        <p:nvSpPr>
+          <p:cNvPr id="7" name="Slide Number Placeholder 6">
             <a:extLst>
               <a:ext uri="{FF2B5EF4-FFF2-40B4-BE49-F238E27FC236}">
-                <a16:creationId xmlns:a16="http://schemas.microsoft.com/office/drawing/2014/main" id="{9542D747-1086-FB8B-9EC6-52293A3F16C9}"/>
+                <a16:creationId xmlns:a16="http://schemas.microsoft.com/office/drawing/2014/main" id="{C34D0C2C-FF71-F034-5D73-6B2DCDE8BAE4}"/>
               </a:ext>
             </a:extLst>
           </p:cNvPr>
@@ -4016,7 +3777,12 @@
             <p:ph type="sldNum" sz="quarter" idx="12"/>
           </p:nvPr>
         </p:nvSpPr>
-        <p:spPr/>
+        <p:spPr>
+          <a:xfrm>
+            <a:off x="15544800" y="9486900"/>
+            <a:ext cx="2133600" cy="365125"/>
+          </a:xfrm>
+        </p:spPr>
         <p:txBody>
           <a:bodyPr/>
           <a:lstStyle/>
@@ -4030,12 +3796,219 @@
           </a:p>
         </p:txBody>
       </p:sp>
+      <p:sp>
+        <p:nvSpPr>
+          <p:cNvPr id="6" name="TextBox 5">
+            <a:extLst>
+              <a:ext uri="{FF2B5EF4-FFF2-40B4-BE49-F238E27FC236}">
+                <a16:creationId xmlns:a16="http://schemas.microsoft.com/office/drawing/2014/main" id="{90CEA999-9589-9EFB-09BD-7772B7220637}"/>
+              </a:ext>
+            </a:extLst>
+          </p:cNvPr>
+          <p:cNvSpPr txBox="1"/>
+          <p:nvPr/>
+        </p:nvSpPr>
+        <p:spPr>
+          <a:xfrm>
+            <a:off x="2220686" y="5680161"/>
+            <a:ext cx="6781800" cy="1077218"/>
+          </a:xfrm>
+          <a:prstGeom prst="rect">
+            <a:avLst/>
+          </a:prstGeom>
+          <a:noFill/>
+        </p:spPr>
+        <p:txBody>
+          <a:bodyPr wrap="square">
+            <a:spAutoFit/>
+          </a:bodyPr>
+          <a:lstStyle/>
+          <a:p>
+            <a:r>
+              <a:rPr lang="en-US" sz="3200" b="1" dirty="0"/>
+              <a:t>+38%</a:t>
+            </a:r>
+            <a:r>
+              <a:rPr lang="en-US" sz="3200" dirty="0"/>
+              <a:t> Total Volume Growth</a:t>
+            </a:r>
+            <a:br>
+              <a:rPr lang="en-US" sz="3200" dirty="0"/>
+            </a:br>
+            <a:r>
+              <a:rPr lang="en-US" sz="3200" i="1" dirty="0"/>
+              <a:t>2019 → 2020 (existing customers only)</a:t>
+            </a:r>
+            <a:endParaRPr lang="en-US" sz="3200" dirty="0"/>
+          </a:p>
+        </p:txBody>
+      </p:sp>
+      <p:sp>
+        <p:nvSpPr>
+          <p:cNvPr id="8" name="TextBox 7">
+            <a:extLst>
+              <a:ext uri="{FF2B5EF4-FFF2-40B4-BE49-F238E27FC236}">
+                <a16:creationId xmlns:a16="http://schemas.microsoft.com/office/drawing/2014/main" id="{074FE01E-D59C-78F7-8A88-2C07BB9711E3}"/>
+              </a:ext>
+            </a:extLst>
+          </p:cNvPr>
+          <p:cNvSpPr txBox="1"/>
+          <p:nvPr/>
+        </p:nvSpPr>
+        <p:spPr>
+          <a:xfrm>
+            <a:off x="10754365" y="7713164"/>
+            <a:ext cx="7064828" cy="1569660"/>
+          </a:xfrm>
+          <a:prstGeom prst="rect">
+            <a:avLst/>
+          </a:prstGeom>
+          <a:noFill/>
+        </p:spPr>
+        <p:txBody>
+          <a:bodyPr wrap="square">
+            <a:spAutoFit/>
+          </a:bodyPr>
+          <a:lstStyle/>
+          <a:p>
+            <a:pPr>
+              <a:buNone/>
+            </a:pPr>
+            <a:r>
+              <a:rPr lang="en-US" sz="3200" b="1" dirty="0"/>
+              <a:t>Strategy</a:t>
+            </a:r>
+          </a:p>
+          <a:p>
+            <a:pPr>
+              <a:buNone/>
+            </a:pPr>
+            <a:r>
+              <a:rPr lang="en-US" sz="3200" b="1" dirty="0"/>
+              <a:t>Focus:</a:t>
+            </a:r>
+            <a:r>
+              <a:rPr lang="en-US" sz="3200" dirty="0"/>
+              <a:t> Protect Enterprise • Grow Medium/Small e-commerce shippers</a:t>
+            </a:r>
+          </a:p>
+        </p:txBody>
+      </p:sp>
+      <p:sp>
+        <p:nvSpPr>
+          <p:cNvPr id="9" name="TextBox 8">
+            <a:extLst>
+              <a:ext uri="{FF2B5EF4-FFF2-40B4-BE49-F238E27FC236}">
+                <a16:creationId xmlns:a16="http://schemas.microsoft.com/office/drawing/2014/main" id="{899C4715-8484-B083-F6FB-A537251C579E}"/>
+              </a:ext>
+            </a:extLst>
+          </p:cNvPr>
+          <p:cNvSpPr txBox="1"/>
+          <p:nvPr/>
+        </p:nvSpPr>
+        <p:spPr>
+          <a:xfrm>
+            <a:off x="10725336" y="5680161"/>
+            <a:ext cx="6324600" cy="1569660"/>
+          </a:xfrm>
+          <a:prstGeom prst="rect">
+            <a:avLst/>
+          </a:prstGeom>
+          <a:noFill/>
+        </p:spPr>
+        <p:txBody>
+          <a:bodyPr wrap="square">
+            <a:spAutoFit/>
+          </a:bodyPr>
+          <a:lstStyle/>
+          <a:p>
+            <a:r>
+              <a:rPr lang="en-US" sz="3200" i="1" dirty="0"/>
+              <a:t>growth came only from current base</a:t>
+            </a:r>
+            <a:endParaRPr lang="en-US" sz="3200" dirty="0"/>
+          </a:p>
+          <a:p>
+            <a:r>
+              <a:rPr lang="en-US" sz="3200" b="1" dirty="0"/>
+              <a:t>Enterprise:</a:t>
+            </a:r>
+            <a:r>
+              <a:rPr lang="en-US" sz="3200" dirty="0"/>
+              <a:t> </a:t>
+            </a:r>
+            <a:r>
+              <a:rPr lang="en-US" sz="3200" b="1" dirty="0"/>
+              <a:t>largest scale</a:t>
+            </a:r>
+            <a:br>
+              <a:rPr lang="en-US" sz="3200" dirty="0"/>
+            </a:br>
+            <a:r>
+              <a:rPr lang="en-US" sz="3200" i="1" dirty="0"/>
+              <a:t>(core engine)</a:t>
+            </a:r>
+            <a:endParaRPr lang="en-US" sz="3200" dirty="0"/>
+          </a:p>
+        </p:txBody>
+      </p:sp>
+      <p:sp>
+        <p:nvSpPr>
+          <p:cNvPr id="10" name="TextBox 9">
+            <a:extLst>
+              <a:ext uri="{FF2B5EF4-FFF2-40B4-BE49-F238E27FC236}">
+                <a16:creationId xmlns:a16="http://schemas.microsoft.com/office/drawing/2014/main" id="{EDECFF93-7B78-97AA-6BC2-F6630630950C}"/>
+              </a:ext>
+            </a:extLst>
+          </p:cNvPr>
+          <p:cNvSpPr txBox="1"/>
+          <p:nvPr/>
+        </p:nvSpPr>
+        <p:spPr>
+          <a:xfrm>
+            <a:off x="2166582" y="7581900"/>
+            <a:ext cx="6411686" cy="1077218"/>
+          </a:xfrm>
+          <a:prstGeom prst="rect">
+            <a:avLst/>
+          </a:prstGeom>
+          <a:noFill/>
+        </p:spPr>
+        <p:txBody>
+          <a:bodyPr wrap="square">
+            <a:spAutoFit/>
+          </a:bodyPr>
+          <a:lstStyle/>
+          <a:p>
+            <a:r>
+              <a:rPr lang="en-US" sz="3200" b="1" dirty="0"/>
+              <a:t>Medium + Small:</a:t>
+            </a:r>
+            <a:r>
+              <a:rPr lang="en-US" sz="3200" dirty="0"/>
+              <a:t> </a:t>
+            </a:r>
+            <a:r>
+              <a:rPr lang="en-US" sz="3200" b="1" dirty="0"/>
+              <a:t>fastest growth</a:t>
+            </a:r>
+            <a:br>
+              <a:rPr lang="en-US" sz="3200" dirty="0"/>
+            </a:br>
+            <a:r>
+              <a:rPr lang="en-US" sz="3200" i="1" dirty="0"/>
+              <a:t>(emerging growth engine)</a:t>
+            </a:r>
+            <a:endParaRPr lang="en-US" sz="3200" dirty="0"/>
+          </a:p>
+        </p:txBody>
+      </p:sp>
       <p:pic>
         <p:nvPicPr>
-          <p:cNvPr id="6" name="Picture 5" descr="A graph of sales growth&#10;&#10;AI-generated content may be incorrect.">
+          <p:cNvPr id="14" name="Picture 13" descr="A screenshot of a computer&#10;&#10;AI-generated content may be incorrect.">
             <a:extLst>
               <a:ext uri="{FF2B5EF4-FFF2-40B4-BE49-F238E27FC236}">
-                <a16:creationId xmlns:a16="http://schemas.microsoft.com/office/drawing/2014/main" id="{5997732C-FE88-2941-6F36-078A81A29BF8}"/>
+                <a16:creationId xmlns:a16="http://schemas.microsoft.com/office/drawing/2014/main" id="{11B43817-73A9-5446-8AC6-9A5BE0F38037}"/>
               </a:ext>
             </a:extLst>
           </p:cNvPr>
@@ -4052,8 +4025,128 @@
         </p:blipFill>
         <p:spPr>
           <a:xfrm>
-            <a:off x="7772400" y="2476500"/>
-            <a:ext cx="10178238" cy="6330383"/>
+            <a:off x="1364343" y="1819369"/>
+            <a:ext cx="14413336" cy="3448531"/>
+          </a:xfrm>
+          <a:prstGeom prst="rect">
+            <a:avLst/>
+          </a:prstGeom>
+        </p:spPr>
+      </p:pic>
+      <p:pic>
+        <p:nvPicPr>
+          <p:cNvPr id="16" name="Picture 15" descr="A graph with a arrow pointing up&#10;&#10;AI-generated content may be incorrect.">
+            <a:extLst>
+              <a:ext uri="{FF2B5EF4-FFF2-40B4-BE49-F238E27FC236}">
+                <a16:creationId xmlns:a16="http://schemas.microsoft.com/office/drawing/2014/main" id="{711585B9-1DFC-B239-D20A-BA82A2380F29}"/>
+              </a:ext>
+            </a:extLst>
+          </p:cNvPr>
+          <p:cNvPicPr>
+            <a:picLocks noChangeAspect="1"/>
+          </p:cNvPicPr>
+          <p:nvPr/>
+        </p:nvPicPr>
+        <p:blipFill>
+          <a:blip r:embed="rId3"/>
+          <a:stretch>
+            <a:fillRect/>
+          </a:stretch>
+        </p:blipFill>
+        <p:spPr>
+          <a:xfrm>
+            <a:off x="10058400" y="5907858"/>
+            <a:ext cx="559584" cy="557133"/>
+          </a:xfrm>
+          <a:prstGeom prst="rect">
+            <a:avLst/>
+          </a:prstGeom>
+        </p:spPr>
+      </p:pic>
+      <p:pic>
+        <p:nvPicPr>
+          <p:cNvPr id="18" name="Picture 17" descr="A box with a check mark on it&#10;&#10;AI-generated content may be incorrect.">
+            <a:extLst>
+              <a:ext uri="{FF2B5EF4-FFF2-40B4-BE49-F238E27FC236}">
+                <a16:creationId xmlns:a16="http://schemas.microsoft.com/office/drawing/2014/main" id="{AFBD19D9-2591-E5D0-4817-969BC774E6A7}"/>
+              </a:ext>
+            </a:extLst>
+          </p:cNvPr>
+          <p:cNvPicPr>
+            <a:picLocks noChangeAspect="1"/>
+          </p:cNvPicPr>
+          <p:nvPr/>
+        </p:nvPicPr>
+        <p:blipFill>
+          <a:blip r:embed="rId4"/>
+          <a:stretch>
+            <a:fillRect/>
+          </a:stretch>
+        </p:blipFill>
+        <p:spPr>
+          <a:xfrm>
+            <a:off x="1537106" y="5788951"/>
+            <a:ext cx="531180" cy="557133"/>
+          </a:xfrm>
+          <a:prstGeom prst="rect">
+            <a:avLst/>
+          </a:prstGeom>
+        </p:spPr>
+      </p:pic>
+      <p:pic>
+        <p:nvPicPr>
+          <p:cNvPr id="20" name="Picture 19" descr="A black rocket with a graph&#10;&#10;AI-generated content may be incorrect.">
+            <a:extLst>
+              <a:ext uri="{FF2B5EF4-FFF2-40B4-BE49-F238E27FC236}">
+                <a16:creationId xmlns:a16="http://schemas.microsoft.com/office/drawing/2014/main" id="{77D5DEF7-E558-F4CD-3F12-6BB57780CD7B}"/>
+              </a:ext>
+            </a:extLst>
+          </p:cNvPr>
+          <p:cNvPicPr>
+            <a:picLocks noChangeAspect="1"/>
+          </p:cNvPicPr>
+          <p:nvPr/>
+        </p:nvPicPr>
+        <p:blipFill>
+          <a:blip r:embed="rId5"/>
+          <a:stretch>
+            <a:fillRect/>
+          </a:stretch>
+        </p:blipFill>
+        <p:spPr>
+          <a:xfrm>
+            <a:off x="1537106" y="7713164"/>
+            <a:ext cx="540890" cy="557133"/>
+          </a:xfrm>
+          <a:prstGeom prst="rect">
+            <a:avLst/>
+          </a:prstGeom>
+        </p:spPr>
+      </p:pic>
+      <p:pic>
+        <p:nvPicPr>
+          <p:cNvPr id="22" name="Picture 21" descr="A black and white circular object with a arrow in the center&#10;&#10;AI-generated content may be incorrect.">
+            <a:extLst>
+              <a:ext uri="{FF2B5EF4-FFF2-40B4-BE49-F238E27FC236}">
+                <a16:creationId xmlns:a16="http://schemas.microsoft.com/office/drawing/2014/main" id="{AE70A47A-F107-3916-756E-CCCB721F4EDB}"/>
+              </a:ext>
+            </a:extLst>
+          </p:cNvPr>
+          <p:cNvPicPr>
+            <a:picLocks noChangeAspect="1"/>
+          </p:cNvPicPr>
+          <p:nvPr/>
+        </p:nvPicPr>
+        <p:blipFill>
+          <a:blip r:embed="rId6"/>
+          <a:stretch>
+            <a:fillRect/>
+          </a:stretch>
+        </p:blipFill>
+        <p:spPr>
+          <a:xfrm>
+            <a:off x="10013352" y="7713164"/>
+            <a:ext cx="711984" cy="717077"/>
           </a:xfrm>
           <a:prstGeom prst="rect">
             <a:avLst/>
@@ -4073,7 +4166,13 @@
   <p:cSld>
     <p:spTree>
       <p:nvGrpSpPr>
-        <p:cNvPr id="1" name=""/>
+        <p:cNvPr id="1" name="">
+          <a:extLst>
+            <a:ext uri="{FF2B5EF4-FFF2-40B4-BE49-F238E27FC236}">
+              <a16:creationId xmlns:a16="http://schemas.microsoft.com/office/drawing/2014/main" id="{24C387C4-5358-E508-1094-8AF0112705C1}"/>
+            </a:ext>
+          </a:extLst>
+        </p:cNvPr>
         <p:cNvGrpSpPr/>
         <p:nvPr/>
       </p:nvGrpSpPr>
@@ -4087,21 +4186,27 @@
       </p:grpSpPr>
       <p:sp>
         <p:nvSpPr>
-          <p:cNvPr id="3" name="TextBox 3"/>
+          <p:cNvPr id="3" name="TextBox 3">
+            <a:extLst>
+              <a:ext uri="{FF2B5EF4-FFF2-40B4-BE49-F238E27FC236}">
+                <a16:creationId xmlns:a16="http://schemas.microsoft.com/office/drawing/2014/main" id="{BA6FBD30-6F24-646E-934A-02A46F6C6310}"/>
+              </a:ext>
+            </a:extLst>
+          </p:cNvPr>
           <p:cNvSpPr txBox="1"/>
           <p:nvPr/>
         </p:nvSpPr>
         <p:spPr>
           <a:xfrm>
-            <a:off x="0" y="592256"/>
-            <a:ext cx="8254746" cy="863363"/>
+            <a:off x="21771" y="272791"/>
+            <a:ext cx="11049000" cy="834587"/>
           </a:xfrm>
           <a:prstGeom prst="rect">
             <a:avLst/>
           </a:prstGeom>
         </p:spPr>
         <p:txBody>
-          <a:bodyPr lIns="0" tIns="0" rIns="0" bIns="0" rtlCol="0" anchor="t">
+          <a:bodyPr wrap="square" lIns="0" tIns="0" rIns="0" bIns="0" rtlCol="0" anchor="t">
             <a:spAutoFit/>
           </a:bodyPr>
           <a:lstStyle/>
@@ -4112,7 +4217,7 @@
               </a:lnSpc>
             </a:pPr>
             <a:r>
-              <a:rPr lang="en-US" sz="5628" spc="-112">
+              <a:rPr lang="en-US" sz="5628" spc="-112" dirty="0">
                 <a:solidFill>
                   <a:srgbClr val="4A90E2"/>
                 </a:solidFill>
@@ -4121,569 +4226,150 @@
                 <a:cs typeface="Tenor Sans"/>
                 <a:sym typeface="Tenor Sans"/>
               </a:rPr>
-              <a:t>📦 Executive Summary</a:t>
-            </a:r>
-          </a:p>
-        </p:txBody>
-      </p:sp>
-      <p:sp>
-        <p:nvSpPr>
-          <p:cNvPr id="4" name="TextBox 4"/>
+              <a:t>📦 Executive Recommendations</a:t>
+            </a:r>
+          </a:p>
+        </p:txBody>
+      </p:sp>
+      <p:sp>
+        <p:nvSpPr>
+          <p:cNvPr id="4" name="TextBox 4">
+            <a:extLst>
+              <a:ext uri="{FF2B5EF4-FFF2-40B4-BE49-F238E27FC236}">
+                <a16:creationId xmlns:a16="http://schemas.microsoft.com/office/drawing/2014/main" id="{8DC8BF84-8BD5-D119-45AB-C67B6E9D539F}"/>
+              </a:ext>
+            </a:extLst>
+          </p:cNvPr>
           <p:cNvSpPr txBox="1"/>
           <p:nvPr/>
         </p:nvSpPr>
         <p:spPr>
           <a:xfrm>
-            <a:off x="176151" y="1713133"/>
-            <a:ext cx="11813716" cy="8078054"/>
+            <a:off x="457200" y="1427010"/>
+            <a:ext cx="16992600" cy="8371523"/>
           </a:xfrm>
           <a:prstGeom prst="rect">
             <a:avLst/>
           </a:prstGeom>
         </p:spPr>
         <p:txBody>
-          <a:bodyPr lIns="0" tIns="0" rIns="0" bIns="0" rtlCol="0" anchor="t">
+          <a:bodyPr wrap="square" lIns="0" tIns="0" rIns="0" bIns="0" rtlCol="0" anchor="t">
             <a:spAutoFit/>
           </a:bodyPr>
           <a:lstStyle/>
           <a:p>
-            <a:pPr algn="l">
-              <a:lnSpc>
-                <a:spcPts val="4179"/>
-              </a:lnSpc>
-            </a:pPr>
-            <a:r>
-              <a:rPr lang="en-US" sz="2985" b="1">
-                <a:solidFill>
-                  <a:srgbClr val="074559"/>
-                </a:solidFill>
-                <a:latin typeface="Clear Sans Bold"/>
-                <a:ea typeface="Clear Sans Bold"/>
-                <a:cs typeface="Clear Sans Bold"/>
-                <a:sym typeface="Clear Sans Bold"/>
-              </a:rPr>
-              <a:t>COVID Impact on ABC's Parcel Business</a:t>
-            </a:r>
-          </a:p>
-          <a:p>
-            <a:pPr marL="644585" lvl="1" indent="-322292" algn="l">
-              <a:lnSpc>
-                <a:spcPts val="4179"/>
-              </a:lnSpc>
-              <a:buFont typeface="Arial"/>
-              <a:buChar char="•"/>
-            </a:pPr>
-            <a:r>
-              <a:rPr lang="en-US" sz="2985" b="1">
-                <a:solidFill>
-                  <a:srgbClr val="074559"/>
-                </a:solidFill>
-                <a:latin typeface="Clear Sans Bold"/>
-                <a:ea typeface="Clear Sans Bold"/>
-                <a:cs typeface="Clear Sans Bold"/>
-                <a:sym typeface="Clear Sans Bold"/>
-              </a:rPr>
-              <a:t>Headline:</a:t>
-            </a:r>
-            <a:r>
-              <a:rPr lang="en-US" sz="2985">
-                <a:solidFill>
-                  <a:srgbClr val="074559"/>
-                </a:solidFill>
-                <a:latin typeface="Clear Sans"/>
-                <a:ea typeface="Clear Sans"/>
-                <a:cs typeface="Clear Sans"/>
-                <a:sym typeface="Clear Sans"/>
-              </a:rPr>
-              <a:t> COVID-19 drove </a:t>
-            </a:r>
-            <a:r>
-              <a:rPr lang="en-US" sz="2985" b="1">
-                <a:solidFill>
-                  <a:srgbClr val="074559"/>
-                </a:solidFill>
-                <a:latin typeface="Clear Sans Bold"/>
-                <a:ea typeface="Clear Sans Bold"/>
-                <a:cs typeface="Clear Sans Bold"/>
-                <a:sym typeface="Clear Sans Bold"/>
-              </a:rPr>
-              <a:t>~38% growth</a:t>
-            </a:r>
-            <a:r>
-              <a:rPr lang="en-US" sz="2985">
-                <a:solidFill>
-                  <a:srgbClr val="074559"/>
-                </a:solidFill>
-                <a:latin typeface="Clear Sans"/>
-                <a:ea typeface="Clear Sans"/>
-                <a:cs typeface="Clear Sans"/>
-                <a:sym typeface="Clear Sans"/>
-              </a:rPr>
-              <a:t> in parcel volumes from 2019 to 2020, entirely from </a:t>
-            </a:r>
-            <a:r>
-              <a:rPr lang="en-US" sz="2985" b="1">
-                <a:solidFill>
-                  <a:srgbClr val="074559"/>
-                </a:solidFill>
-                <a:latin typeface="Clear Sans Bold"/>
-                <a:ea typeface="Clear Sans Bold"/>
-                <a:cs typeface="Clear Sans Bold"/>
-                <a:sym typeface="Clear Sans Bold"/>
-              </a:rPr>
-              <a:t>existing customers.</a:t>
-            </a:r>
-          </a:p>
-          <a:p>
-            <a:pPr marL="644585" lvl="1" indent="-322292" algn="l">
-              <a:lnSpc>
-                <a:spcPts val="4179"/>
-              </a:lnSpc>
-              <a:spcBef>
-                <a:spcPct val="0"/>
-              </a:spcBef>
-              <a:buFont typeface="Arial"/>
-              <a:buChar char="•"/>
-            </a:pPr>
-            <a:r>
-              <a:rPr lang="en-US" sz="2985" b="1">
-                <a:solidFill>
-                  <a:srgbClr val="074559"/>
-                </a:solidFill>
-                <a:latin typeface="Clear Sans Bold"/>
-                <a:ea typeface="Clear Sans Bold"/>
-                <a:cs typeface="Clear Sans Bold"/>
-                <a:sym typeface="Clear Sans Bold"/>
-              </a:rPr>
-              <a:t>By Segment: Enterprise</a:t>
-            </a:r>
-            <a:r>
-              <a:rPr lang="en-US" sz="2985">
-                <a:solidFill>
-                  <a:srgbClr val="074559"/>
-                </a:solidFill>
-                <a:latin typeface="Clear Sans"/>
-                <a:ea typeface="Clear Sans"/>
-                <a:cs typeface="Clear Sans"/>
-                <a:sym typeface="Clear Sans"/>
-              </a:rPr>
-              <a:t> grew (</a:t>
-            </a:r>
-            <a:r>
-              <a:rPr lang="en-US" sz="2985" b="1">
-                <a:solidFill>
-                  <a:srgbClr val="074559"/>
-                </a:solidFill>
-                <a:latin typeface="Clear Sans Bold"/>
-                <a:ea typeface="Clear Sans Bold"/>
-                <a:cs typeface="Clear Sans Bold"/>
-                <a:sym typeface="Clear Sans Bold"/>
-              </a:rPr>
-              <a:t>+37%</a:t>
-            </a:r>
-            <a:r>
-              <a:rPr lang="en-US" sz="2985">
-                <a:solidFill>
-                  <a:srgbClr val="074559"/>
-                </a:solidFill>
-                <a:latin typeface="Clear Sans"/>
-                <a:ea typeface="Clear Sans"/>
-                <a:cs typeface="Clear Sans"/>
-                <a:sym typeface="Clear Sans"/>
-              </a:rPr>
-              <a:t>) and remains the </a:t>
-            </a:r>
-            <a:r>
-              <a:rPr lang="en-US" sz="2985" b="1">
-                <a:solidFill>
-                  <a:srgbClr val="074559"/>
-                </a:solidFill>
-                <a:latin typeface="Clear Sans Bold"/>
-                <a:ea typeface="Clear Sans Bold"/>
-                <a:cs typeface="Clear Sans Bold"/>
-                <a:sym typeface="Clear Sans Bold"/>
-              </a:rPr>
-              <a:t>core engine</a:t>
-            </a:r>
-            <a:r>
-              <a:rPr lang="en-US" sz="2985">
-                <a:solidFill>
-                  <a:srgbClr val="074559"/>
-                </a:solidFill>
-                <a:latin typeface="Clear Sans"/>
-                <a:ea typeface="Clear Sans"/>
-                <a:cs typeface="Clear Sans"/>
-                <a:sym typeface="Clear Sans"/>
-              </a:rPr>
-              <a:t>, while </a:t>
-            </a:r>
-            <a:r>
-              <a:rPr lang="en-US" sz="2985" b="1">
-                <a:solidFill>
-                  <a:srgbClr val="074559"/>
-                </a:solidFill>
-                <a:latin typeface="Clear Sans Bold"/>
-                <a:ea typeface="Clear Sans Bold"/>
-                <a:cs typeface="Clear Sans Bold"/>
-                <a:sym typeface="Clear Sans Bold"/>
-              </a:rPr>
-              <a:t>Medium &amp; Small</a:t>
-            </a:r>
-            <a:r>
-              <a:rPr lang="en-US" sz="2985">
-                <a:solidFill>
-                  <a:srgbClr val="074559"/>
-                </a:solidFill>
-                <a:latin typeface="Clear Sans"/>
-                <a:ea typeface="Clear Sans"/>
-                <a:cs typeface="Clear Sans"/>
-                <a:sym typeface="Clear Sans"/>
-              </a:rPr>
-              <a:t> showed the fastest growth (</a:t>
-            </a:r>
-            <a:r>
-              <a:rPr lang="en-US" sz="2985" b="1">
-                <a:solidFill>
-                  <a:srgbClr val="074559"/>
-                </a:solidFill>
-                <a:latin typeface="Clear Sans Bold"/>
-                <a:ea typeface="Clear Sans Bold"/>
-                <a:cs typeface="Clear Sans Bold"/>
-                <a:sym typeface="Clear Sans Bold"/>
-              </a:rPr>
-              <a:t>+41% </a:t>
-            </a:r>
-            <a:r>
-              <a:rPr lang="en-US" sz="2985">
-                <a:solidFill>
-                  <a:srgbClr val="074559"/>
-                </a:solidFill>
-                <a:latin typeface="Clear Sans"/>
-                <a:ea typeface="Clear Sans"/>
-                <a:cs typeface="Clear Sans"/>
-                <a:sym typeface="Clear Sans"/>
-              </a:rPr>
-              <a:t>and </a:t>
-            </a:r>
-            <a:r>
-              <a:rPr lang="en-US" sz="2985" b="1">
-                <a:solidFill>
-                  <a:srgbClr val="074559"/>
-                </a:solidFill>
-                <a:latin typeface="Clear Sans Bold"/>
-                <a:ea typeface="Clear Sans Bold"/>
-                <a:cs typeface="Clear Sans Bold"/>
-                <a:sym typeface="Clear Sans Bold"/>
-              </a:rPr>
-              <a:t>+51%</a:t>
-            </a:r>
-            <a:r>
-              <a:rPr lang="en-US" sz="2985">
-                <a:solidFill>
-                  <a:srgbClr val="074559"/>
-                </a:solidFill>
-                <a:latin typeface="Clear Sans"/>
-                <a:ea typeface="Clear Sans"/>
-                <a:cs typeface="Clear Sans"/>
-                <a:sym typeface="Clear Sans"/>
-              </a:rPr>
-              <a:t>) and are </a:t>
-            </a:r>
-            <a:r>
-              <a:rPr lang="en-US" sz="2985" b="1">
-                <a:solidFill>
-                  <a:srgbClr val="074559"/>
-                </a:solidFill>
-                <a:latin typeface="Clear Sans Bold"/>
-                <a:ea typeface="Clear Sans Bold"/>
-                <a:cs typeface="Clear Sans Bold"/>
-                <a:sym typeface="Clear Sans Bold"/>
-              </a:rPr>
-              <a:t>gaining importance</a:t>
-            </a:r>
-            <a:r>
-              <a:rPr lang="en-US" sz="2985">
-                <a:solidFill>
-                  <a:srgbClr val="074559"/>
-                </a:solidFill>
-                <a:latin typeface="Clear Sans"/>
-                <a:ea typeface="Clear Sans"/>
-                <a:cs typeface="Clear Sans"/>
-                <a:sym typeface="Clear Sans"/>
-              </a:rPr>
-              <a:t> in the network.</a:t>
-            </a:r>
-          </a:p>
-          <a:p>
-            <a:pPr marL="644585" lvl="1" indent="-322292" algn="l">
-              <a:lnSpc>
-                <a:spcPts val="4179"/>
-              </a:lnSpc>
-              <a:spcBef>
-                <a:spcPct val="0"/>
-              </a:spcBef>
-              <a:buFont typeface="Arial"/>
-              <a:buChar char="•"/>
-            </a:pPr>
-            <a:r>
-              <a:rPr lang="en-US" sz="2985" b="1">
-                <a:solidFill>
-                  <a:srgbClr val="074559"/>
-                </a:solidFill>
-                <a:latin typeface="Clear Sans Bold"/>
-                <a:ea typeface="Clear Sans Bold"/>
-                <a:cs typeface="Clear Sans Bold"/>
-                <a:sym typeface="Clear Sans Bold"/>
-              </a:rPr>
-              <a:t>Customer Base: 0% new customers</a:t>
-            </a:r>
-            <a:r>
-              <a:rPr lang="en-US" sz="2985">
-                <a:solidFill>
-                  <a:srgbClr val="074559"/>
-                </a:solidFill>
-                <a:latin typeface="Clear Sans"/>
-                <a:ea typeface="Clear Sans"/>
-                <a:cs typeface="Clear Sans"/>
-                <a:sym typeface="Clear Sans"/>
-              </a:rPr>
-              <a:t>; COVID </a:t>
-            </a:r>
-            <a:r>
-              <a:rPr lang="en-US" sz="2985" b="1">
-                <a:solidFill>
-                  <a:srgbClr val="074559"/>
-                </a:solidFill>
-                <a:latin typeface="Clear Sans Bold"/>
-                <a:ea typeface="Clear Sans Bold"/>
-                <a:cs typeface="Clear Sans Bold"/>
-                <a:sym typeface="Clear Sans Bold"/>
-              </a:rPr>
-              <a:t>intensified usage</a:t>
-            </a:r>
-            <a:r>
-              <a:rPr lang="en-US" sz="2985">
-                <a:solidFill>
-                  <a:srgbClr val="074559"/>
-                </a:solidFill>
-                <a:latin typeface="Clear Sans"/>
-                <a:ea typeface="Clear Sans"/>
-                <a:cs typeface="Clear Sans"/>
-                <a:sym typeface="Clear Sans"/>
-              </a:rPr>
-              <a:t> among current accounts rather than expanding the customer list.</a:t>
-            </a:r>
-          </a:p>
-          <a:p>
-            <a:pPr marL="644585" lvl="1" indent="-322292" algn="l">
-              <a:lnSpc>
-                <a:spcPts val="4179"/>
-              </a:lnSpc>
-              <a:spcBef>
-                <a:spcPct val="0"/>
-              </a:spcBef>
-              <a:buFont typeface="Arial"/>
-              <a:buChar char="•"/>
-            </a:pPr>
-            <a:r>
-              <a:rPr lang="en-US" sz="2985" b="1">
-                <a:solidFill>
-                  <a:srgbClr val="074559"/>
-                </a:solidFill>
-                <a:latin typeface="Clear Sans Bold"/>
-                <a:ea typeface="Clear Sans Bold"/>
-                <a:cs typeface="Clear Sans Bold"/>
-                <a:sym typeface="Clear Sans Bold"/>
-              </a:rPr>
-              <a:t>Strategic Focus</a:t>
-            </a:r>
-            <a:r>
-              <a:rPr lang="en-US" sz="2985">
-                <a:solidFill>
-                  <a:srgbClr val="074559"/>
-                </a:solidFill>
-                <a:latin typeface="Clear Sans"/>
-                <a:ea typeface="Clear Sans"/>
-                <a:cs typeface="Clear Sans"/>
-                <a:sym typeface="Clear Sans"/>
-              </a:rPr>
-              <a:t>: Protect </a:t>
-            </a:r>
-            <a:r>
-              <a:rPr lang="en-US" sz="2985" b="1">
-                <a:solidFill>
-                  <a:srgbClr val="074559"/>
-                </a:solidFill>
-                <a:latin typeface="Clear Sans Bold"/>
-                <a:ea typeface="Clear Sans Bold"/>
-                <a:cs typeface="Clear Sans Bold"/>
-                <a:sym typeface="Clear Sans Bold"/>
-              </a:rPr>
-              <a:t>Enterprise</a:t>
-            </a:r>
-            <a:r>
-              <a:rPr lang="en-US" sz="2985">
-                <a:solidFill>
-                  <a:srgbClr val="074559"/>
-                </a:solidFill>
-                <a:latin typeface="Clear Sans"/>
-                <a:ea typeface="Clear Sans"/>
-                <a:cs typeface="Clear Sans"/>
-                <a:sym typeface="Clear Sans"/>
-              </a:rPr>
-              <a:t> relationships and </a:t>
-            </a:r>
-            <a:r>
-              <a:rPr lang="en-US" sz="2985" b="1">
-                <a:solidFill>
-                  <a:srgbClr val="074559"/>
-                </a:solidFill>
-                <a:latin typeface="Clear Sans Bold"/>
-                <a:ea typeface="Clear Sans Bold"/>
-                <a:cs typeface="Clear Sans Bold"/>
-                <a:sym typeface="Clear Sans Bold"/>
-              </a:rPr>
-              <a:t>intentionally grow Medium/Small</a:t>
-            </a:r>
-            <a:r>
-              <a:rPr lang="en-US" sz="2985">
-                <a:solidFill>
-                  <a:srgbClr val="074559"/>
-                </a:solidFill>
-                <a:latin typeface="Clear Sans"/>
-                <a:ea typeface="Clear Sans"/>
-                <a:cs typeface="Clear Sans"/>
-                <a:sym typeface="Clear Sans"/>
-              </a:rPr>
-              <a:t> e-commerce shippers with targeted products and support.</a:t>
-            </a:r>
-          </a:p>
-          <a:p>
-            <a:pPr marL="0" lvl="0" indent="0" algn="l">
-              <a:lnSpc>
-                <a:spcPts val="4179"/>
-              </a:lnSpc>
-              <a:spcBef>
-                <a:spcPct val="0"/>
-              </a:spcBef>
-            </a:pPr>
-            <a:r>
-              <a:rPr lang="en-US" sz="2985" b="1">
-                <a:solidFill>
-                  <a:srgbClr val="074559"/>
-                </a:solidFill>
-                <a:latin typeface="Clear Sans Bold"/>
-                <a:ea typeface="Clear Sans Bold"/>
-                <a:cs typeface="Clear Sans Bold"/>
-                <a:sym typeface="Clear Sans Bold"/>
-              </a:rPr>
-              <a:t>In one line</a:t>
-            </a:r>
-            <a:r>
-              <a:rPr lang="en-US" sz="2985">
-                <a:solidFill>
-                  <a:srgbClr val="074559"/>
-                </a:solidFill>
-                <a:latin typeface="Clear Sans"/>
-                <a:ea typeface="Clear Sans"/>
-                <a:cs typeface="Clear Sans"/>
-                <a:sym typeface="Clear Sans"/>
-              </a:rPr>
-              <a:t>: COVID accelerated demand within ABC's existing customer base, with Enterprise driving scale and Medium/Small segments emerging as the key growth engine.</a:t>
-            </a:r>
-          </a:p>
-          <a:p>
-            <a:pPr marL="0" lvl="0" indent="0" algn="l">
-              <a:lnSpc>
-                <a:spcPts val="6226"/>
-              </a:lnSpc>
-              <a:spcBef>
-                <a:spcPct val="0"/>
-              </a:spcBef>
-            </a:pPr>
-            <a:endParaRPr lang="en-US" sz="2985">
-              <a:solidFill>
-                <a:srgbClr val="074559"/>
-              </a:solidFill>
-              <a:latin typeface="Clear Sans"/>
-              <a:ea typeface="Clear Sans"/>
-              <a:cs typeface="Clear Sans"/>
-              <a:sym typeface="Clear Sans"/>
-            </a:endParaRPr>
-          </a:p>
-        </p:txBody>
-      </p:sp>
-      <p:grpSp>
-        <p:nvGrpSpPr>
-          <p:cNvPr id="5" name="Group 5"/>
-          <p:cNvGrpSpPr/>
-          <p:nvPr/>
-        </p:nvGrpSpPr>
-        <p:grpSpPr>
-          <a:xfrm>
-            <a:off x="12172950" y="0"/>
-            <a:ext cx="6115050" cy="10287000"/>
-            <a:chOff x="0" y="0"/>
-            <a:chExt cx="947381" cy="1593725"/>
-          </a:xfrm>
-        </p:grpSpPr>
-        <p:sp>
-          <p:nvSpPr>
-            <p:cNvPr id="6" name="Freeform 6"/>
-            <p:cNvSpPr/>
-            <p:nvPr/>
-          </p:nvSpPr>
-          <p:spPr>
-            <a:xfrm>
-              <a:off x="0" y="0"/>
-              <a:ext cx="947381" cy="1593725"/>
-            </a:xfrm>
-            <a:custGeom>
-              <a:avLst/>
-              <a:gdLst/>
-              <a:ahLst/>
-              <a:cxnLst/>
-              <a:rect l="l" t="t" r="r" b="b"/>
-              <a:pathLst>
-                <a:path w="947381" h="1593725">
-                  <a:moveTo>
-                    <a:pt x="0" y="0"/>
-                  </a:moveTo>
-                  <a:lnTo>
-                    <a:pt x="947381" y="0"/>
-                  </a:lnTo>
-                  <a:lnTo>
-                    <a:pt x="947381" y="1593725"/>
-                  </a:lnTo>
-                  <a:lnTo>
-                    <a:pt x="0" y="1593725"/>
-                  </a:lnTo>
-                  <a:close/>
-                </a:path>
-              </a:pathLst>
-            </a:custGeom>
-            <a:blipFill>
-              <a:blip r:embed="rId2"/>
-              <a:stretch>
-                <a:fillRect t="-58" b="-58"/>
-              </a:stretch>
-            </a:blipFill>
-          </p:spPr>
-          <p:txBody>
-            <a:bodyPr/>
-            <a:lstStyle/>
-            <a:p>
-              <a:endParaRPr lang="en-CA"/>
-            </a:p>
-          </p:txBody>
-        </p:sp>
-      </p:grpSp>
+            <a:endParaRPr lang="en-US" sz="2400" b="1" dirty="0"/>
+          </a:p>
+          <a:p>
+            <a:r>
+              <a:rPr lang="en-US" sz="2400" dirty="0"/>
+              <a:t>🏢 </a:t>
+            </a:r>
+            <a:r>
+              <a:rPr lang="en-US" sz="2400" b="1" dirty="0"/>
+              <a:t>Enterprise — Protect &amp; Lock In </a:t>
+            </a:r>
+          </a:p>
+          <a:p>
+            <a:endParaRPr lang="en-US" sz="2000" b="1" dirty="0"/>
+          </a:p>
+          <a:p>
+            <a:r>
+              <a:rPr lang="en-US" sz="2000" dirty="0"/>
+              <a:t>                                 </a:t>
+            </a:r>
+            <a:r>
+              <a:rPr lang="en-US" sz="3200" dirty="0"/>
+              <a:t>Protect revenue with long-term contracts, tailored SLAs, and automation.</a:t>
+            </a:r>
+          </a:p>
+          <a:p>
+            <a:endParaRPr lang="en-US" sz="3200" dirty="0"/>
+          </a:p>
+          <a:p>
+            <a:endParaRPr lang="en-US" sz="2000" dirty="0"/>
+          </a:p>
+          <a:p>
+            <a:endParaRPr lang="en-US" sz="2000" dirty="0"/>
+          </a:p>
+          <a:p>
+            <a:r>
+              <a:rPr lang="en-US" sz="2400" b="1" dirty="0"/>
+              <a:t>🏭 Large — Optimize &amp; Retain</a:t>
+            </a:r>
+          </a:p>
+          <a:p>
+            <a:endParaRPr lang="en-US" sz="2000" b="1" dirty="0"/>
+          </a:p>
+          <a:p>
+            <a:endParaRPr lang="en-US" sz="2000" dirty="0"/>
+          </a:p>
+          <a:p>
+            <a:r>
+              <a:rPr lang="en-US" sz="3200" dirty="0"/>
+              <a:t>                     Improve reliability and use volume incentives to drive consistency.</a:t>
+            </a:r>
+          </a:p>
+          <a:p>
+            <a:endParaRPr lang="en-US" sz="2000" b="1" dirty="0"/>
+          </a:p>
+          <a:p>
+            <a:endParaRPr lang="en-US" sz="2400" b="1" dirty="0"/>
+          </a:p>
+          <a:p>
+            <a:r>
+              <a:rPr lang="en-US" sz="2400" b="1" dirty="0"/>
+              <a:t>🚀 Medium — Accelerate Growth</a:t>
+            </a:r>
+          </a:p>
+          <a:p>
+            <a:br>
+              <a:rPr lang="en-US" sz="2000" dirty="0"/>
+            </a:br>
+            <a:r>
+              <a:rPr lang="en-US" sz="2000" dirty="0"/>
+              <a:t>                                   </a:t>
+            </a:r>
+            <a:r>
+              <a:rPr lang="en-US" sz="3200" dirty="0"/>
+              <a:t>Scale fast using digital onboarding, tiered pricing, and flexible logistics.</a:t>
+            </a:r>
+          </a:p>
+          <a:p>
+            <a:endParaRPr lang="en-US" sz="2000" b="1" dirty="0"/>
+          </a:p>
+          <a:p>
+            <a:endParaRPr lang="en-US" sz="2000" b="1" dirty="0"/>
+          </a:p>
+          <a:p>
+            <a:endParaRPr lang="en-US" sz="2000" dirty="0"/>
+          </a:p>
+          <a:p>
+            <a:r>
+              <a:rPr lang="en-US" sz="2400" b="1" dirty="0"/>
+              <a:t>📦 Small — Convert &amp; Simplify</a:t>
+            </a:r>
+          </a:p>
+          <a:p>
+            <a:br>
+              <a:rPr lang="en-US" sz="2000" dirty="0"/>
+            </a:br>
+            <a:r>
+              <a:rPr lang="en-US" sz="3200" dirty="0"/>
+              <a:t>                      Convert pandemic users with simple bundles, self-service, and clear pricing.</a:t>
+            </a:r>
+          </a:p>
+          <a:p>
+            <a:endParaRPr lang="en-US" sz="2000" dirty="0"/>
+          </a:p>
+        </p:txBody>
+      </p:sp>
       <p:sp>
         <p:nvSpPr>
           <p:cNvPr id="7" name="Slide Number Placeholder 6">
             <a:extLst>
               <a:ext uri="{FF2B5EF4-FFF2-40B4-BE49-F238E27FC236}">
-                <a16:creationId xmlns:a16="http://schemas.microsoft.com/office/drawing/2014/main" id="{C34D0C2C-FF71-F034-5D73-6B2DCDE8BAE4}"/>
+                <a16:creationId xmlns:a16="http://schemas.microsoft.com/office/drawing/2014/main" id="{DACD08F6-289B-504C-E95F-456C16D7C092}"/>
               </a:ext>
             </a:extLst>
           </p:cNvPr>
@@ -4694,7 +4380,12 @@
             <p:ph type="sldNum" sz="quarter" idx="12"/>
           </p:nvPr>
         </p:nvSpPr>
-        <p:spPr/>
+        <p:spPr>
+          <a:xfrm>
+            <a:off x="15316200" y="9369749"/>
+            <a:ext cx="2133600" cy="365125"/>
+          </a:xfrm>
+        </p:spPr>
         <p:txBody>
           <a:bodyPr/>
           <a:lstStyle/>
@@ -4704,11 +4395,136 @@
               <a:pPr/>
               <a:t>11</a:t>
             </a:fld>
-            <a:endParaRPr lang="en-US"/>
-          </a:p>
-        </p:txBody>
-      </p:sp>
+            <a:endParaRPr lang="en-US" dirty="0"/>
+          </a:p>
+        </p:txBody>
+      </p:sp>
+      <p:pic>
+        <p:nvPicPr>
+          <p:cNvPr id="9" name="Picture 8" descr="A handshake and a pencil&#10;&#10;AI-generated content may be incorrect.">
+            <a:extLst>
+              <a:ext uri="{FF2B5EF4-FFF2-40B4-BE49-F238E27FC236}">
+                <a16:creationId xmlns:a16="http://schemas.microsoft.com/office/drawing/2014/main" id="{0B7AECBD-BB70-1A24-663A-7A3CBB565592}"/>
+              </a:ext>
+            </a:extLst>
+          </p:cNvPr>
+          <p:cNvPicPr>
+            <a:picLocks noChangeAspect="1"/>
+          </p:cNvPicPr>
+          <p:nvPr/>
+        </p:nvPicPr>
+        <p:blipFill>
+          <a:blip r:embed="rId2"/>
+          <a:stretch>
+            <a:fillRect/>
+          </a:stretch>
+        </p:blipFill>
+        <p:spPr>
+          <a:xfrm>
+            <a:off x="971348" y="2513917"/>
+            <a:ext cx="1141510" cy="1105583"/>
+          </a:xfrm>
+          <a:prstGeom prst="rect">
+            <a:avLst/>
+          </a:prstGeom>
+        </p:spPr>
+      </p:pic>
+      <p:pic>
+        <p:nvPicPr>
+          <p:cNvPr id="11" name="Picture 10" descr="A black and white drawing of a truck with a clock on it&#10;&#10;AI-generated content may be incorrect.">
+            <a:extLst>
+              <a:ext uri="{FF2B5EF4-FFF2-40B4-BE49-F238E27FC236}">
+                <a16:creationId xmlns:a16="http://schemas.microsoft.com/office/drawing/2014/main" id="{E0E7B5E2-890F-1012-3FA9-2AB1E4DDFFB5}"/>
+              </a:ext>
+            </a:extLst>
+          </p:cNvPr>
+          <p:cNvPicPr>
+            <a:picLocks noChangeAspect="1"/>
+          </p:cNvPicPr>
+          <p:nvPr/>
+        </p:nvPicPr>
+        <p:blipFill>
+          <a:blip r:embed="rId3"/>
+          <a:stretch>
+            <a:fillRect/>
+          </a:stretch>
+        </p:blipFill>
+        <p:spPr>
+          <a:xfrm>
+            <a:off x="1036499" y="4515665"/>
+            <a:ext cx="1107106" cy="1105583"/>
+          </a:xfrm>
+          <a:prstGeom prst="rect">
+            <a:avLst/>
+          </a:prstGeom>
+        </p:spPr>
+      </p:pic>
+      <p:pic>
+        <p:nvPicPr>
+          <p:cNvPr id="13" name="Picture 12" descr="A rocket flying to the top of a graph&#10;&#10;AI-generated content may be incorrect.">
+            <a:extLst>
+              <a:ext uri="{FF2B5EF4-FFF2-40B4-BE49-F238E27FC236}">
+                <a16:creationId xmlns:a16="http://schemas.microsoft.com/office/drawing/2014/main" id="{0B9F1093-DC19-DE18-29F9-6DEF7303646A}"/>
+              </a:ext>
+            </a:extLst>
+          </p:cNvPr>
+          <p:cNvPicPr>
+            <a:picLocks noChangeAspect="1"/>
+          </p:cNvPicPr>
+          <p:nvPr/>
+        </p:nvPicPr>
+        <p:blipFill>
+          <a:blip r:embed="rId4"/>
+          <a:stretch>
+            <a:fillRect/>
+          </a:stretch>
+        </p:blipFill>
+        <p:spPr>
+          <a:xfrm>
+            <a:off x="1049465" y="6665685"/>
+            <a:ext cx="1119540" cy="1105584"/>
+          </a:xfrm>
+          <a:prstGeom prst="rect">
+            <a:avLst/>
+          </a:prstGeom>
+        </p:spPr>
+      </p:pic>
+      <p:pic>
+        <p:nvPicPr>
+          <p:cNvPr id="15" name="Picture 14" descr="A line art of different types of shopping icons&#10;&#10;AI-generated content may be incorrect.">
+            <a:extLst>
+              <a:ext uri="{FF2B5EF4-FFF2-40B4-BE49-F238E27FC236}">
+                <a16:creationId xmlns:a16="http://schemas.microsoft.com/office/drawing/2014/main" id="{44733BCD-095D-35DB-FC6F-1AEC19E714DF}"/>
+              </a:ext>
+            </a:extLst>
+          </p:cNvPr>
+          <p:cNvPicPr>
+            <a:picLocks noChangeAspect="1"/>
+          </p:cNvPicPr>
+          <p:nvPr/>
+        </p:nvPicPr>
+        <p:blipFill>
+          <a:blip r:embed="rId5"/>
+          <a:stretch>
+            <a:fillRect/>
+          </a:stretch>
+        </p:blipFill>
+        <p:spPr>
+          <a:xfrm>
+            <a:off x="1105220" y="8858175"/>
+            <a:ext cx="1174607" cy="781125"/>
+          </a:xfrm>
+          <a:prstGeom prst="rect">
+            <a:avLst/>
+          </a:prstGeom>
+        </p:spPr>
+      </p:pic>
     </p:spTree>
+    <p:extLst>
+      <p:ext uri="{BB962C8B-B14F-4D97-AF65-F5344CB8AC3E}">
+        <p14:creationId xmlns:p14="http://schemas.microsoft.com/office/powerpoint/2010/main" val="1409378613"/>
+      </p:ext>
+    </p:extLst>
   </p:cSld>
   <p:clrMapOvr>
     <a:masterClrMapping/>
@@ -4717,6 +4533,190 @@
 </file>
 
 <file path=ppt/slides/slide12.xml><?xml version="1.0" encoding="utf-8"?>
+<p:sld xmlns:a="http://schemas.openxmlformats.org/drawingml/2006/main" xmlns:r="http://schemas.openxmlformats.org/officeDocument/2006/relationships" xmlns:p="http://schemas.openxmlformats.org/presentationml/2006/main">
+  <p:cSld>
+    <p:spTree>
+      <p:nvGrpSpPr>
+        <p:cNvPr id="1" name="">
+          <a:extLst>
+            <a:ext uri="{FF2B5EF4-FFF2-40B4-BE49-F238E27FC236}">
+              <a16:creationId xmlns:a16="http://schemas.microsoft.com/office/drawing/2014/main" id="{20B5147F-C1F6-6936-A46C-BA9AE125B0CD}"/>
+            </a:ext>
+          </a:extLst>
+        </p:cNvPr>
+        <p:cNvGrpSpPr/>
+        <p:nvPr/>
+      </p:nvGrpSpPr>
+      <p:grpSpPr>
+        <a:xfrm>
+          <a:off x="0" y="0"/>
+          <a:ext cx="0" cy="0"/>
+          <a:chOff x="0" y="0"/>
+          <a:chExt cx="0" cy="0"/>
+        </a:xfrm>
+      </p:grpSpPr>
+      <p:sp>
+        <p:nvSpPr>
+          <p:cNvPr id="3" name="TextBox 3">
+            <a:extLst>
+              <a:ext uri="{FF2B5EF4-FFF2-40B4-BE49-F238E27FC236}">
+                <a16:creationId xmlns:a16="http://schemas.microsoft.com/office/drawing/2014/main" id="{2FFFF4F7-E6C4-5AEB-1990-C11C6CD52E11}"/>
+              </a:ext>
+            </a:extLst>
+          </p:cNvPr>
+          <p:cNvSpPr txBox="1"/>
+          <p:nvPr/>
+        </p:nvSpPr>
+        <p:spPr>
+          <a:xfrm>
+            <a:off x="3200400" y="342900"/>
+            <a:ext cx="11049000" cy="834587"/>
+          </a:xfrm>
+          <a:prstGeom prst="rect">
+            <a:avLst/>
+          </a:prstGeom>
+        </p:spPr>
+        <p:txBody>
+          <a:bodyPr wrap="square" lIns="0" tIns="0" rIns="0" bIns="0" rtlCol="0" anchor="t">
+            <a:spAutoFit/>
+          </a:bodyPr>
+          <a:lstStyle/>
+          <a:p>
+            <a:pPr marL="0" lvl="0" indent="0" algn="ctr">
+              <a:lnSpc>
+                <a:spcPts val="6754"/>
+              </a:lnSpc>
+            </a:pPr>
+            <a:r>
+              <a:rPr lang="en-US" sz="5628" spc="-112" dirty="0">
+                <a:solidFill>
+                  <a:srgbClr val="4A90E2"/>
+                </a:solidFill>
+                <a:latin typeface="Tenor Sans"/>
+                <a:ea typeface="Tenor Sans"/>
+                <a:cs typeface="Tenor Sans"/>
+                <a:sym typeface="Tenor Sans"/>
+              </a:rPr>
+              <a:t>📦 Conclusion</a:t>
+            </a:r>
+          </a:p>
+        </p:txBody>
+      </p:sp>
+      <p:sp>
+        <p:nvSpPr>
+          <p:cNvPr id="7" name="Slide Number Placeholder 6">
+            <a:extLst>
+              <a:ext uri="{FF2B5EF4-FFF2-40B4-BE49-F238E27FC236}">
+                <a16:creationId xmlns:a16="http://schemas.microsoft.com/office/drawing/2014/main" id="{3F7FF7F5-6E8C-1B07-233E-CA55F9E501EA}"/>
+              </a:ext>
+            </a:extLst>
+          </p:cNvPr>
+          <p:cNvSpPr>
+            <a:spLocks noGrp="1"/>
+          </p:cNvSpPr>
+          <p:nvPr>
+            <p:ph type="sldNum" sz="quarter" idx="12"/>
+          </p:nvPr>
+        </p:nvSpPr>
+        <p:spPr>
+          <a:xfrm>
+            <a:off x="15316200" y="9369749"/>
+            <a:ext cx="2133600" cy="365125"/>
+          </a:xfrm>
+        </p:spPr>
+        <p:txBody>
+          <a:bodyPr/>
+          <a:lstStyle/>
+          <a:p>
+            <a:fld id="{B6F15528-21DE-4FAA-801E-634DDDAF4B2B}" type="slidenum">
+              <a:rPr lang="en-US" smtClean="0"/>
+              <a:pPr/>
+              <a:t>12</a:t>
+            </a:fld>
+            <a:endParaRPr lang="en-US" dirty="0"/>
+          </a:p>
+        </p:txBody>
+      </p:sp>
+      <p:sp>
+        <p:nvSpPr>
+          <p:cNvPr id="5" name="TextBox 4">
+            <a:extLst>
+              <a:ext uri="{FF2B5EF4-FFF2-40B4-BE49-F238E27FC236}">
+                <a16:creationId xmlns:a16="http://schemas.microsoft.com/office/drawing/2014/main" id="{C9394A17-E944-F886-4595-01C2F90F18B3}"/>
+              </a:ext>
+            </a:extLst>
+          </p:cNvPr>
+          <p:cNvSpPr txBox="1"/>
+          <p:nvPr/>
+        </p:nvSpPr>
+        <p:spPr>
+          <a:xfrm>
+            <a:off x="1992086" y="2476500"/>
+            <a:ext cx="14401800" cy="5078313"/>
+          </a:xfrm>
+          <a:prstGeom prst="rect">
+            <a:avLst/>
+          </a:prstGeom>
+          <a:noFill/>
+        </p:spPr>
+        <p:txBody>
+          <a:bodyPr wrap="square">
+            <a:spAutoFit/>
+          </a:bodyPr>
+          <a:lstStyle/>
+          <a:p>
+            <a:pPr marL="285750" indent="-285750">
+              <a:buFont typeface="Wingdings" panose="05000000000000000000" pitchFamily="2" charset="2"/>
+              <a:buChar char="Ø"/>
+            </a:pPr>
+            <a:r>
+              <a:rPr lang="en-US" sz="3600" dirty="0"/>
+              <a:t>COVID-19 drove a major parcel surge from existing customers only.</a:t>
+            </a:r>
+          </a:p>
+          <a:p>
+            <a:endParaRPr lang="en-US" sz="3600" dirty="0"/>
+          </a:p>
+          <a:p>
+            <a:pPr marL="285750" indent="-285750">
+              <a:buFont typeface="Wingdings" panose="05000000000000000000" pitchFamily="2" charset="2"/>
+              <a:buChar char="Ø"/>
+            </a:pPr>
+            <a:r>
+              <a:rPr lang="en-US" sz="3600" dirty="0"/>
+              <a:t> Enterprise delivered the biggest total volumes, while Medium/Small posted the fastest growth, and churn during the COVID observation period was negligible.</a:t>
+            </a:r>
+          </a:p>
+          <a:p>
+            <a:endParaRPr lang="en-US" sz="3600" dirty="0"/>
+          </a:p>
+          <a:p>
+            <a:pPr marL="285750" indent="-285750">
+              <a:buFont typeface="Wingdings" panose="05000000000000000000" pitchFamily="2" charset="2"/>
+              <a:buChar char="Ø"/>
+            </a:pPr>
+            <a:r>
+              <a:rPr lang="en-US" sz="3600" dirty="0"/>
+              <a:t>Discounting changed the mix: it protected activity but pushed many customers into lower tiers, so post-COVID strategy must balance retention incentives with long-term revenue protection.</a:t>
+            </a:r>
+            <a:endParaRPr lang="en-CA" sz="3600" dirty="0"/>
+          </a:p>
+        </p:txBody>
+      </p:sp>
+    </p:spTree>
+    <p:extLst>
+      <p:ext uri="{BB962C8B-B14F-4D97-AF65-F5344CB8AC3E}">
+        <p14:creationId xmlns:p14="http://schemas.microsoft.com/office/powerpoint/2010/main" val="694550072"/>
+      </p:ext>
+    </p:extLst>
+  </p:cSld>
+  <p:clrMapOvr>
+    <a:masterClrMapping/>
+  </p:clrMapOvr>
+</p:sld>
+</file>
+
+<file path=ppt/slides/slide13.xml><?xml version="1.0" encoding="utf-8"?>
 <p:sld xmlns:a="http://schemas.openxmlformats.org/drawingml/2006/main" xmlns:r="http://schemas.openxmlformats.org/officeDocument/2006/relationships" xmlns:p="http://schemas.openxmlformats.org/presentationml/2006/main">
   <p:cSld>
     <p:bg>
@@ -4749,8 +4749,8 @@
         </p:nvSpPr>
         <p:spPr>
           <a:xfrm>
-            <a:off x="7858125" y="3152775"/>
-            <a:ext cx="8324850" cy="554254"/>
+            <a:off x="4981575" y="4589246"/>
+            <a:ext cx="8324850" cy="638765"/>
           </a:xfrm>
           <a:prstGeom prst="rect">
             <a:avLst/>
@@ -4771,7 +4771,7 @@
               </a:spcBef>
             </a:pPr>
             <a:r>
-              <a:rPr lang="en-US" sz="8800" b="1" u="none" dirty="0">
+              <a:rPr lang="en-US" sz="11500" b="1" u="none" dirty="0">
                 <a:solidFill>
                   <a:srgbClr val="074559"/>
                 </a:solidFill>
@@ -4787,74 +4787,10 @@
       </p:sp>
       <p:sp>
         <p:nvSpPr>
-          <p:cNvPr id="8" name="Freeform 8"/>
-          <p:cNvSpPr/>
-          <p:nvPr/>
-        </p:nvSpPr>
-        <p:spPr>
-          <a:xfrm rot="20148862">
-            <a:off x="10244911" y="5067405"/>
-            <a:ext cx="6274865" cy="4114800"/>
-          </a:xfrm>
-          <a:custGeom>
-            <a:avLst/>
-            <a:gdLst/>
-            <a:ahLst/>
-            <a:cxnLst/>
-            <a:rect l="l" t="t" r="r" b="b"/>
-            <a:pathLst>
-              <a:path w="6274865" h="4114800">
-                <a:moveTo>
-                  <a:pt x="0" y="0"/>
-                </a:moveTo>
-                <a:lnTo>
-                  <a:pt x="6274865" y="0"/>
-                </a:lnTo>
-                <a:lnTo>
-                  <a:pt x="6274865" y="4114800"/>
-                </a:lnTo>
-                <a:lnTo>
-                  <a:pt x="0" y="4114800"/>
-                </a:lnTo>
-                <a:lnTo>
-                  <a:pt x="0" y="0"/>
-                </a:lnTo>
-                <a:close/>
-              </a:path>
-            </a:pathLst>
-          </a:custGeom>
-          <a:blipFill>
-            <a:blip r:embed="rId2">
-              <a:extLst>
-                <a:ext uri="{96DAC541-7B7A-43D3-8B79-37D633B846F1}">
-                  <asvg:svgBlip xmlns:asvg="http://schemas.microsoft.com/office/drawing/2016/SVG/main" r:embed="rId3"/>
-                </a:ext>
-              </a:extLst>
-            </a:blip>
-            <a:stretch>
-              <a:fillRect/>
-            </a:stretch>
-          </a:blipFill>
-          <a:ln cap="sq">
-            <a:noFill/>
-            <a:prstDash val="solid"/>
-            <a:miter/>
-          </a:ln>
-        </p:spPr>
-        <p:txBody>
-          <a:bodyPr/>
-          <a:lstStyle/>
-          <a:p>
-            <a:endParaRPr lang="en-CA"/>
-          </a:p>
-        </p:txBody>
-      </p:sp>
-      <p:sp>
-        <p:nvSpPr>
-          <p:cNvPr id="9" name="Slide Number Placeholder 8">
+          <p:cNvPr id="3" name="Slide Number Placeholder 2">
             <a:extLst>
               <a:ext uri="{FF2B5EF4-FFF2-40B4-BE49-F238E27FC236}">
-                <a16:creationId xmlns:a16="http://schemas.microsoft.com/office/drawing/2014/main" id="{81F58BE8-3AD5-B1B8-1EAC-2D89C03D22AD}"/>
+                <a16:creationId xmlns:a16="http://schemas.microsoft.com/office/drawing/2014/main" id="{5AFC67B9-D94A-2A0E-426A-A33810C98166}"/>
               </a:ext>
             </a:extLst>
           </p:cNvPr>
@@ -4865,7 +4801,12 @@
             <p:ph type="sldNum" sz="quarter" idx="12"/>
           </p:nvPr>
         </p:nvSpPr>
-        <p:spPr/>
+        <p:spPr>
+          <a:xfrm>
+            <a:off x="15011400" y="9410700"/>
+            <a:ext cx="2133600" cy="365125"/>
+          </a:xfrm>
+        </p:spPr>
         <p:txBody>
           <a:bodyPr/>
           <a:lstStyle/>
@@ -4873,89 +4814,12 @@
             <a:fld id="{B6F15528-21DE-4FAA-801E-634DDDAF4B2B}" type="slidenum">
               <a:rPr lang="en-US" smtClean="0"/>
               <a:pPr/>
-              <a:t>12</a:t>
+              <a:t>13</a:t>
             </a:fld>
-            <a:endParaRPr lang="en-US"/>
-          </a:p>
-        </p:txBody>
-      </p:sp>
-      <p:grpSp>
-        <p:nvGrpSpPr>
-          <p:cNvPr id="10" name="Group 5">
-            <a:extLst>
-              <a:ext uri="{FF2B5EF4-FFF2-40B4-BE49-F238E27FC236}">
-                <a16:creationId xmlns:a16="http://schemas.microsoft.com/office/drawing/2014/main" id="{2E986855-201F-C8F8-3C8E-948C00459257}"/>
-              </a:ext>
-            </a:extLst>
-          </p:cNvPr>
-          <p:cNvGrpSpPr/>
-          <p:nvPr/>
-        </p:nvGrpSpPr>
-        <p:grpSpPr>
-          <a:xfrm>
-            <a:off x="28575" y="19050"/>
-            <a:ext cx="6115050" cy="10287000"/>
-            <a:chOff x="0" y="0"/>
-            <a:chExt cx="947381" cy="1593725"/>
-          </a:xfrm>
-        </p:grpSpPr>
-        <p:sp>
-          <p:nvSpPr>
-            <p:cNvPr id="11" name="Freeform 6">
-              <a:extLst>
-                <a:ext uri="{FF2B5EF4-FFF2-40B4-BE49-F238E27FC236}">
-                  <a16:creationId xmlns:a16="http://schemas.microsoft.com/office/drawing/2014/main" id="{8467E1A8-1FE9-D943-C36E-4C4B818FA2C2}"/>
-                </a:ext>
-              </a:extLst>
-            </p:cNvPr>
-            <p:cNvSpPr/>
-            <p:nvPr/>
-          </p:nvSpPr>
-          <p:spPr>
-            <a:xfrm>
-              <a:off x="0" y="0"/>
-              <a:ext cx="947381" cy="1593725"/>
-            </a:xfrm>
-            <a:custGeom>
-              <a:avLst/>
-              <a:gdLst/>
-              <a:ahLst/>
-              <a:cxnLst/>
-              <a:rect l="l" t="t" r="r" b="b"/>
-              <a:pathLst>
-                <a:path w="947381" h="1593725">
-                  <a:moveTo>
-                    <a:pt x="0" y="0"/>
-                  </a:moveTo>
-                  <a:lnTo>
-                    <a:pt x="947381" y="0"/>
-                  </a:lnTo>
-                  <a:lnTo>
-                    <a:pt x="947381" y="1593725"/>
-                  </a:lnTo>
-                  <a:lnTo>
-                    <a:pt x="0" y="1593725"/>
-                  </a:lnTo>
-                  <a:close/>
-                </a:path>
-              </a:pathLst>
-            </a:custGeom>
-            <a:blipFill>
-              <a:blip r:embed="rId4"/>
-              <a:stretch>
-                <a:fillRect t="-58" b="-58"/>
-              </a:stretch>
-            </a:blipFill>
-          </p:spPr>
-          <p:txBody>
-            <a:bodyPr/>
-            <a:lstStyle/>
-            <a:p>
-              <a:endParaRPr lang="en-CA"/>
-            </a:p>
-          </p:txBody>
-        </p:sp>
-      </p:grpSp>
+            <a:endParaRPr lang="en-US" dirty="0"/>
+          </a:p>
+        </p:txBody>
+      </p:sp>
     </p:spTree>
   </p:cSld>
   <p:clrMapOvr>
@@ -4989,7 +4853,7 @@
         </p:nvSpPr>
         <p:spPr>
           <a:xfrm>
-            <a:off x="2105025" y="1562100"/>
+            <a:off x="2105025" y="475215"/>
             <a:ext cx="14077950" cy="1055948"/>
           </a:xfrm>
           <a:prstGeom prst="rect">
@@ -5008,7 +4872,7 @@
               </a:lnSpc>
             </a:pPr>
             <a:r>
-              <a:rPr lang="en-US" sz="6999" spc="-139">
+              <a:rPr lang="en-US" sz="6999" spc="-139" dirty="0">
                 <a:solidFill>
                   <a:srgbClr val="4A90E2"/>
                 </a:solidFill>
@@ -5017,7 +4881,7 @@
                 <a:cs typeface="Tenor Sans"/>
                 <a:sym typeface="Tenor Sans"/>
               </a:rPr>
-              <a:t>COVID-19 Business Impact</a:t>
+              <a:t>Objective</a:t>
             </a:r>
           </a:p>
         </p:txBody>
@@ -5030,200 +4894,52 @@
         </p:nvSpPr>
         <p:spPr>
           <a:xfrm>
-            <a:off x="177214" y="2849379"/>
-            <a:ext cx="10080382" cy="7037434"/>
+            <a:off x="2895600" y="3165298"/>
+            <a:ext cx="11430000" cy="4941289"/>
           </a:xfrm>
           <a:prstGeom prst="rect">
             <a:avLst/>
           </a:prstGeom>
         </p:spPr>
         <p:txBody>
-          <a:bodyPr lIns="0" tIns="0" rIns="0" bIns="0" rtlCol="0" anchor="t">
+          <a:bodyPr wrap="square" lIns="0" tIns="0" rIns="0" bIns="0" rtlCol="0" anchor="t">
             <a:spAutoFit/>
           </a:bodyPr>
           <a:lstStyle/>
           <a:p>
-            <a:pPr marL="0" lvl="0" indent="0" algn="l">
-              <a:lnSpc>
-                <a:spcPts val="4284"/>
-              </a:lnSpc>
-              <a:spcBef>
-                <a:spcPct val="0"/>
-              </a:spcBef>
-            </a:pPr>
-            <a:r>
-              <a:rPr lang="en-US" sz="3060" dirty="0">
-                <a:solidFill>
-                  <a:srgbClr val="074559"/>
-                </a:solidFill>
-                <a:latin typeface="Clear Sans"/>
-                <a:ea typeface="Clear Sans"/>
-                <a:cs typeface="Clear Sans"/>
-                <a:sym typeface="Clear Sans"/>
-              </a:rPr>
-              <a:t>COVID accelerated parcel demand by ~38% YoY, driven entirely by existing customers increasing volumes, with the fastest relative growth in Medium and Small segments.</a:t>
-            </a:r>
-          </a:p>
-          <a:p>
-            <a:pPr marL="0" lvl="0" indent="0" algn="l">
-              <a:lnSpc>
-                <a:spcPts val="4284"/>
-              </a:lnSpc>
-              <a:spcBef>
-                <a:spcPct val="0"/>
-              </a:spcBef>
-            </a:pPr>
-            <a:r>
-              <a:rPr lang="en-US" sz="3060" b="1" dirty="0">
-                <a:solidFill>
-                  <a:srgbClr val="074559"/>
-                </a:solidFill>
-                <a:latin typeface="Clear Sans Bold"/>
-                <a:ea typeface="Clear Sans Bold"/>
-                <a:cs typeface="Clear Sans Bold"/>
-                <a:sym typeface="Clear Sans Bold"/>
-              </a:rPr>
-              <a:t>Evidence (bullets)</a:t>
-            </a:r>
-          </a:p>
-          <a:p>
-            <a:pPr marL="660795" lvl="1" indent="-330397" algn="l">
-              <a:lnSpc>
-                <a:spcPts val="4284"/>
-              </a:lnSpc>
-              <a:spcBef>
-                <a:spcPct val="0"/>
-              </a:spcBef>
-              <a:buFont typeface="Arial"/>
+            <a:pPr marL="457200" indent="-457200">
+              <a:buFont typeface="Arial" panose="020B0604020202020204" pitchFamily="34" charset="0"/>
               <a:buChar char="•"/>
             </a:pPr>
             <a:r>
-              <a:rPr lang="en-US" sz="3060" dirty="0">
-                <a:solidFill>
-                  <a:srgbClr val="074559"/>
-                </a:solidFill>
-                <a:latin typeface="Clear Sans"/>
-                <a:ea typeface="Clear Sans"/>
-                <a:cs typeface="Clear Sans"/>
-                <a:sym typeface="Clear Sans"/>
-              </a:rPr>
-              <a:t>Network volume: +38% (2019→2020)</a:t>
-            </a:r>
-          </a:p>
-          <a:p>
-            <a:pPr marL="660795" lvl="1" indent="-330397" algn="l">
-              <a:lnSpc>
-                <a:spcPts val="4284"/>
-              </a:lnSpc>
-              <a:spcBef>
-                <a:spcPct val="0"/>
-              </a:spcBef>
-              <a:buFont typeface="Arial"/>
+              <a:rPr lang="en-US" sz="3200" dirty="0"/>
+              <a:t>To quantify how COVID-19 changed overall parcel volumes and revenue for ABC Company between 2019 and 2020.</a:t>
+            </a:r>
+          </a:p>
+          <a:p>
+            <a:endParaRPr lang="en-US" sz="3200" dirty="0"/>
+          </a:p>
+          <a:p>
+            <a:pPr marL="457200" indent="-457200">
+              <a:buFont typeface="Arial" panose="020B0604020202020204" pitchFamily="34" charset="0"/>
               <a:buChar char="•"/>
             </a:pPr>
             <a:r>
-              <a:rPr lang="en-US" sz="3060" dirty="0">
-                <a:solidFill>
-                  <a:srgbClr val="074559"/>
-                </a:solidFill>
-                <a:latin typeface="Clear Sans"/>
-                <a:ea typeface="Clear Sans"/>
-                <a:cs typeface="Clear Sans"/>
-                <a:sym typeface="Clear Sans"/>
-              </a:rPr>
-              <a:t>Enterprise: +37%, core volume engine</a:t>
-            </a:r>
-          </a:p>
-          <a:p>
-            <a:pPr marL="660795" lvl="1" indent="-330397" algn="l">
-              <a:lnSpc>
-                <a:spcPts val="4284"/>
-              </a:lnSpc>
-              <a:spcBef>
-                <a:spcPct val="0"/>
-              </a:spcBef>
-              <a:buFont typeface="Arial"/>
+              <a:rPr lang="en-US" sz="3200" dirty="0"/>
+              <a:t>To compare the impact of COVID-19 across customer segments (Enterprise, Large, Medium, Small) and identify which groups drove the most growth.</a:t>
+            </a:r>
+          </a:p>
+          <a:p>
+            <a:endParaRPr lang="en-US" sz="3200" dirty="0"/>
+          </a:p>
+          <a:p>
+            <a:pPr marL="457200" indent="-457200">
+              <a:buFont typeface="Arial" panose="020B0604020202020204" pitchFamily="34" charset="0"/>
               <a:buChar char="•"/>
             </a:pPr>
             <a:r>
-              <a:rPr lang="en-US" sz="3060" dirty="0">
-                <a:solidFill>
-                  <a:srgbClr val="074559"/>
-                </a:solidFill>
-                <a:latin typeface="Clear Sans"/>
-                <a:ea typeface="Clear Sans"/>
-                <a:cs typeface="Clear Sans"/>
-                <a:sym typeface="Clear Sans"/>
-              </a:rPr>
-              <a:t>Medium/Small: +41% / +51%, gaining share</a:t>
-            </a:r>
-          </a:p>
-          <a:p>
-            <a:pPr marL="660795" lvl="1" indent="-330397" algn="l">
-              <a:lnSpc>
-                <a:spcPts val="4284"/>
-              </a:lnSpc>
-              <a:spcBef>
-                <a:spcPct val="0"/>
-              </a:spcBef>
-              <a:buFont typeface="Arial"/>
-              <a:buChar char="•"/>
-            </a:pPr>
-            <a:r>
-              <a:rPr lang="en-US" sz="3060" dirty="0">
-                <a:solidFill>
-                  <a:srgbClr val="074559"/>
-                </a:solidFill>
-                <a:latin typeface="Clear Sans"/>
-                <a:ea typeface="Clear Sans"/>
-                <a:cs typeface="Clear Sans"/>
-                <a:sym typeface="Clear Sans"/>
-              </a:rPr>
-              <a:t>0% new customers under observation definition</a:t>
-            </a:r>
-          </a:p>
-          <a:p>
-            <a:pPr marL="0" lvl="0" indent="0" algn="l">
-              <a:lnSpc>
-                <a:spcPts val="4284"/>
-              </a:lnSpc>
-              <a:spcBef>
-                <a:spcPct val="0"/>
-              </a:spcBef>
-            </a:pPr>
-            <a:r>
-              <a:rPr lang="en-US" sz="3060" b="1" dirty="0">
-                <a:solidFill>
-                  <a:srgbClr val="074559"/>
-                </a:solidFill>
-                <a:latin typeface="Clear Sans Bold"/>
-                <a:ea typeface="Clear Sans Bold"/>
-                <a:cs typeface="Clear Sans Bold"/>
-                <a:sym typeface="Clear Sans Bold"/>
-              </a:rPr>
-              <a:t>Implication</a:t>
-            </a:r>
-          </a:p>
-          <a:p>
-            <a:pPr marL="0" lvl="0" indent="0" algn="l">
-              <a:lnSpc>
-                <a:spcPts val="4284"/>
-              </a:lnSpc>
-              <a:spcBef>
-                <a:spcPct val="0"/>
-              </a:spcBef>
-            </a:pPr>
-            <a:r>
-              <a:rPr lang="en-US" sz="3060" dirty="0">
-                <a:solidFill>
-                  <a:srgbClr val="074559"/>
-                </a:solidFill>
-                <a:latin typeface="Clear Sans"/>
-                <a:ea typeface="Clear Sans"/>
-                <a:cs typeface="Clear Sans"/>
-                <a:sym typeface="Clear Sans"/>
-              </a:rPr>
-              <a:t> Future growth opportunity is mid-market and emerging e-commerce, while Enterprise must be protected</a:t>
+              <a:rPr lang="en-US" sz="3200" dirty="0"/>
+              <a:t>To translate these findings into clear strategic recommendations for post-COVID customer and segment strategy.</a:t>
             </a:r>
           </a:p>
           <a:p>
@@ -5263,7 +4979,12 @@
             <p:ph type="sldNum" sz="quarter" idx="12"/>
           </p:nvPr>
         </p:nvSpPr>
-        <p:spPr/>
+        <p:spPr>
+          <a:xfrm>
+            <a:off x="15240000" y="9467398"/>
+            <a:ext cx="2133600" cy="365125"/>
+          </a:xfrm>
+        </p:spPr>
         <p:txBody>
           <a:bodyPr/>
           <a:lstStyle/>
@@ -5273,40 +4994,10 @@
               <a:pPr/>
               <a:t>2</a:t>
             </a:fld>
-            <a:endParaRPr lang="en-US"/>
-          </a:p>
-        </p:txBody>
-      </p:sp>
-      <p:pic>
-        <p:nvPicPr>
-          <p:cNvPr id="8" name="Picture 7" descr="A graph of numbers and a number of people&#10;&#10;AI-generated content may be incorrect.">
-            <a:extLst>
-              <a:ext uri="{FF2B5EF4-FFF2-40B4-BE49-F238E27FC236}">
-                <a16:creationId xmlns:a16="http://schemas.microsoft.com/office/drawing/2014/main" id="{BE1CDFF5-7B56-4F1B-F2C2-25BFF9F34C33}"/>
-              </a:ext>
-            </a:extLst>
-          </p:cNvPr>
-          <p:cNvPicPr>
-            <a:picLocks noChangeAspect="1"/>
-          </p:cNvPicPr>
-          <p:nvPr/>
-        </p:nvPicPr>
-        <p:blipFill>
-          <a:blip r:embed="rId2"/>
-          <a:stretch>
-            <a:fillRect/>
-          </a:stretch>
-        </p:blipFill>
-        <p:spPr>
-          <a:xfrm>
-            <a:off x="9982200" y="3009900"/>
-            <a:ext cx="8113346" cy="5867400"/>
-          </a:xfrm>
-          <a:prstGeom prst="rect">
-            <a:avLst/>
-          </a:prstGeom>
-        </p:spPr>
-      </p:pic>
+            <a:endParaRPr lang="en-US" dirty="0"/>
+          </a:p>
+        </p:txBody>
+      </p:sp>
     </p:spTree>
   </p:cSld>
   <p:clrMapOvr>
@@ -5340,8 +5031,8 @@
         </p:nvSpPr>
         <p:spPr>
           <a:xfrm>
-            <a:off x="359133" y="833678"/>
-            <a:ext cx="17090469" cy="904875"/>
+            <a:off x="598765" y="309329"/>
+            <a:ext cx="17090469" cy="828675"/>
           </a:xfrm>
           <a:prstGeom prst="rect">
             <a:avLst/>
@@ -5355,11 +5046,11 @@
           <a:p>
             <a:pPr marL="0" lvl="0" indent="0" algn="ctr">
               <a:lnSpc>
-                <a:spcPts val="7080"/>
+                <a:spcPts val="6480"/>
               </a:lnSpc>
             </a:pPr>
             <a:r>
-              <a:rPr lang="en-US" sz="5900" spc="-118">
+              <a:rPr lang="en-US" sz="5400" spc="-108" dirty="0">
                 <a:solidFill>
                   <a:srgbClr val="4A90E2"/>
                 </a:solidFill>
@@ -5368,7 +5059,7 @@
                 <a:cs typeface="Tenor Sans"/>
                 <a:sym typeface="Tenor Sans"/>
               </a:rPr>
-              <a:t>When were customer volumes first impacted?</a:t>
+              <a:t>How has COVID affected different customer groups?</a:t>
             </a:r>
           </a:p>
         </p:txBody>
@@ -5381,15 +5072,15 @@
         </p:nvSpPr>
         <p:spPr>
           <a:xfrm>
-            <a:off x="169035" y="2844384"/>
-            <a:ext cx="9660646" cy="5956579"/>
+            <a:off x="359133" y="1960972"/>
+            <a:ext cx="6917565" cy="7126631"/>
           </a:xfrm>
           <a:prstGeom prst="rect">
             <a:avLst/>
           </a:prstGeom>
         </p:spPr>
         <p:txBody>
-          <a:bodyPr lIns="0" tIns="0" rIns="0" bIns="0" rtlCol="0" anchor="t">
+          <a:bodyPr wrap="square" lIns="0" tIns="0" rIns="0" bIns="0" rtlCol="0" anchor="t">
             <a:spAutoFit/>
           </a:bodyPr>
           <a:lstStyle/>
@@ -5403,7 +5094,7 @@
               </a:spcBef>
             </a:pPr>
             <a:r>
-              <a:rPr lang="en-US" sz="3063">
+              <a:rPr lang="en-US" sz="3063" dirty="0">
                 <a:solidFill>
                   <a:srgbClr val="074559"/>
                 </a:solidFill>
@@ -5412,7 +5103,43 @@
                 <a:cs typeface="Clear Sans"/>
                 <a:sym typeface="Clear Sans"/>
               </a:rPr>
-              <a:t>Customer volumes first inflected upward in mid-March 2020 (Week ~11), aligning with the onset of pandemic restrictions.</a:t>
+              <a:t>All groups grew, but </a:t>
+            </a:r>
+            <a:r>
+              <a:rPr lang="en-US" sz="3063" b="1" dirty="0">
+                <a:solidFill>
+                  <a:srgbClr val="074559"/>
+                </a:solidFill>
+                <a:latin typeface="Clear Sans Bold"/>
+                <a:ea typeface="Clear Sans Bold"/>
+                <a:cs typeface="Clear Sans Bold"/>
+                <a:sym typeface="Clear Sans Bold"/>
+              </a:rPr>
+              <a:t>Medium and Small outpaced the network,</a:t>
+            </a:r>
+            <a:r>
+              <a:rPr lang="en-US" sz="3063" dirty="0">
+                <a:solidFill>
+                  <a:srgbClr val="074559"/>
+                </a:solidFill>
+                <a:latin typeface="Clear Sans"/>
+                <a:ea typeface="Clear Sans"/>
+                <a:cs typeface="Clear Sans"/>
+                <a:sym typeface="Clear Sans"/>
+              </a:rPr>
+              <a:t> while Enterprise delivered the </a:t>
+            </a:r>
+            <a:r>
+              <a:rPr lang="en-US" sz="3063" b="1" dirty="0">
+                <a:solidFill>
+                  <a:srgbClr val="074559"/>
+                </a:solidFill>
+                <a:latin typeface="Clear Sans Bold"/>
+                <a:ea typeface="Clear Sans Bold"/>
+                <a:cs typeface="Clear Sans Bold"/>
+                <a:sym typeface="Clear Sans Bold"/>
+              </a:rPr>
+              <a:t>largest absolute lift.</a:t>
             </a:r>
           </a:p>
           <a:p>
@@ -5425,7 +5152,7 @@
               </a:spcBef>
             </a:pPr>
             <a:r>
-              <a:rPr lang="en-US" sz="3063" b="1">
+              <a:rPr lang="en-US" sz="3063" b="1" dirty="0">
                 <a:solidFill>
                   <a:srgbClr val="074559"/>
                 </a:solidFill>
@@ -5434,11 +5161,11 @@
                 <a:cs typeface="Clear Sans Bold"/>
                 <a:sym typeface="Clear Sans Bold"/>
               </a:rPr>
-              <a:t>Supporting Evidence</a:t>
-            </a:r>
-          </a:p>
-          <a:p>
-            <a:pPr marL="661355" lvl="1" indent="-330677" algn="l">
+              <a:t>Evidence</a:t>
+            </a:r>
+          </a:p>
+          <a:p>
+            <a:pPr marL="661355" lvl="1" indent="-330678" algn="l">
               <a:lnSpc>
                 <a:spcPts val="4288"/>
               </a:lnSpc>
@@ -5449,7 +5176,7 @@
               <a:buChar char="•"/>
             </a:pPr>
             <a:r>
-              <a:rPr lang="en-US" sz="3063">
+              <a:rPr lang="en-US" sz="3063" dirty="0">
                 <a:solidFill>
                   <a:srgbClr val="074559"/>
                 </a:solidFill>
@@ -5458,11 +5185,23 @@
                 <a:cs typeface="Clear Sans"/>
                 <a:sym typeface="Clear Sans"/>
               </a:rPr>
-              <a:t>Pre-COVID (Weeks 1-10): normal patterns</a:t>
-            </a:r>
-          </a:p>
-          <a:p>
-            <a:pPr marL="661355" lvl="1" indent="-330677" algn="l">
+              <a:t>Enterprise: </a:t>
+            </a:r>
+            <a:r>
+              <a:rPr lang="en-US" sz="3063" b="1" dirty="0">
+                <a:solidFill>
+                  <a:srgbClr val="074559"/>
+                </a:solidFill>
+                <a:latin typeface="Clear Sans Bold"/>
+                <a:ea typeface="Clear Sans Bold"/>
+                <a:cs typeface="Clear Sans Bold"/>
+                <a:sym typeface="Clear Sans Bold"/>
+              </a:rPr>
+              <a:t>+37%</a:t>
+            </a:r>
+          </a:p>
+          <a:p>
+            <a:pPr marL="661355" lvl="1" indent="-330678" algn="l">
               <a:lnSpc>
                 <a:spcPts val="4288"/>
               </a:lnSpc>
@@ -5473,7 +5212,7 @@
               <a:buChar char="•"/>
             </a:pPr>
             <a:r>
-              <a:rPr lang="en-US" sz="3063">
+              <a:rPr lang="en-US" sz="3063" dirty="0">
                 <a:solidFill>
                   <a:srgbClr val="074559"/>
                 </a:solidFill>
@@ -5482,11 +5221,23 @@
                 <a:cs typeface="Clear Sans"/>
                 <a:sym typeface="Clear Sans"/>
               </a:rPr>
-              <a:t>Sharp volume surge Weeks 11–16</a:t>
-            </a:r>
-          </a:p>
-          <a:p>
-            <a:pPr marL="661355" lvl="1" indent="-330677" algn="l">
+              <a:t>Large: </a:t>
+            </a:r>
+            <a:r>
+              <a:rPr lang="en-US" sz="3063" b="1" dirty="0">
+                <a:solidFill>
+                  <a:srgbClr val="074559"/>
+                </a:solidFill>
+                <a:latin typeface="Clear Sans Bold"/>
+                <a:ea typeface="Clear Sans Bold"/>
+                <a:cs typeface="Clear Sans Bold"/>
+                <a:sym typeface="Clear Sans Bold"/>
+              </a:rPr>
+              <a:t>+33%</a:t>
+            </a:r>
+          </a:p>
+          <a:p>
+            <a:pPr marL="661355" lvl="1" indent="-330678" algn="l">
               <a:lnSpc>
                 <a:spcPts val="4288"/>
               </a:lnSpc>
@@ -5497,7 +5248,7 @@
               <a:buChar char="•"/>
             </a:pPr>
             <a:r>
-              <a:rPr lang="en-US" sz="3063">
+              <a:rPr lang="en-US" sz="3063" dirty="0">
                 <a:solidFill>
                   <a:srgbClr val="074559"/>
                 </a:solidFill>
@@ -5506,7 +5257,55 @@
                 <a:cs typeface="Clear Sans"/>
                 <a:sym typeface="Clear Sans"/>
               </a:rPr>
-              <a:t>Sustained elevated volumes till the end of 2020</a:t>
+              <a:t>Medium: </a:t>
+            </a:r>
+            <a:r>
+              <a:rPr lang="en-US" sz="3063" b="1" dirty="0">
+                <a:solidFill>
+                  <a:srgbClr val="074559"/>
+                </a:solidFill>
+                <a:latin typeface="Clear Sans Bold"/>
+                <a:ea typeface="Clear Sans Bold"/>
+                <a:cs typeface="Clear Sans Bold"/>
+                <a:sym typeface="Clear Sans Bold"/>
+              </a:rPr>
+              <a:t>+41%</a:t>
+            </a:r>
+          </a:p>
+          <a:p>
+            <a:pPr marL="661355" lvl="1" indent="-330678" algn="l">
+              <a:lnSpc>
+                <a:spcPts val="4288"/>
+              </a:lnSpc>
+              <a:spcBef>
+                <a:spcPct val="0"/>
+              </a:spcBef>
+              <a:buFont typeface="Arial"/>
+              <a:buChar char="•"/>
+            </a:pPr>
+            <a:r>
+              <a:rPr lang="en-US" sz="3063" dirty="0">
+                <a:solidFill>
+                  <a:srgbClr val="074559"/>
+                </a:solidFill>
+                <a:latin typeface="Clear Sans"/>
+                <a:ea typeface="Clear Sans"/>
+                <a:cs typeface="Clear Sans"/>
+                <a:sym typeface="Clear Sans"/>
+              </a:rPr>
+              <a:t>Small: </a:t>
+            </a:r>
+            <a:r>
+              <a:rPr lang="en-US" sz="3063" b="1" dirty="0">
+                <a:solidFill>
+                  <a:srgbClr val="074559"/>
+                </a:solidFill>
+                <a:latin typeface="Clear Sans Bold"/>
+                <a:ea typeface="Clear Sans Bold"/>
+                <a:cs typeface="Clear Sans Bold"/>
+                <a:sym typeface="Clear Sans Bold"/>
+              </a:rPr>
+              <a:t>+51%</a:t>
             </a:r>
           </a:p>
           <a:p>
@@ -5519,7 +5318,7 @@
               </a:spcBef>
             </a:pPr>
             <a:r>
-              <a:rPr lang="en-US" sz="3063" b="1">
+              <a:rPr lang="en-US" sz="3063" b="1" dirty="0">
                 <a:solidFill>
                   <a:srgbClr val="074559"/>
                 </a:solidFill>
@@ -5541,7 +5340,7 @@
               </a:spcBef>
             </a:pPr>
             <a:r>
-              <a:rPr lang="en-US" sz="3063">
+              <a:rPr lang="en-US" sz="3063" dirty="0">
                 <a:solidFill>
                   <a:srgbClr val="074559"/>
                 </a:solidFill>
@@ -5550,7 +5349,7 @@
                 <a:cs typeface="Clear Sans"/>
                 <a:sym typeface="Clear Sans"/>
               </a:rPr>
-              <a:t> COVID acted as a structural demand shock, not a short spike.</a:t>
+              <a:t> Segment strategy should diversify focus beyond Enterprise.</a:t>
             </a:r>
           </a:p>
           <a:p>
@@ -5562,7 +5361,7 @@
                 <a:spcPct val="0"/>
               </a:spcBef>
             </a:pPr>
-            <a:endParaRPr lang="en-US" sz="3063">
+            <a:endParaRPr lang="en-US" sz="3063" dirty="0">
               <a:solidFill>
                 <a:srgbClr val="074559"/>
               </a:solidFill>
@@ -5579,7 +5378,7 @@
           <p:cNvPr id="5" name="Slide Number Placeholder 4">
             <a:extLst>
               <a:ext uri="{FF2B5EF4-FFF2-40B4-BE49-F238E27FC236}">
-                <a16:creationId xmlns:a16="http://schemas.microsoft.com/office/drawing/2014/main" id="{A25DE9AE-30E5-DD5F-BF1F-4A23350F5EB5}"/>
+                <a16:creationId xmlns:a16="http://schemas.microsoft.com/office/drawing/2014/main" id="{F61D9539-127F-5126-1893-3476D90DD784}"/>
               </a:ext>
             </a:extLst>
           </p:cNvPr>
@@ -5590,7 +5389,12 @@
             <p:ph type="sldNum" sz="quarter" idx="12"/>
           </p:nvPr>
         </p:nvSpPr>
-        <p:spPr/>
+        <p:spPr>
+          <a:xfrm>
+            <a:off x="15555634" y="9639300"/>
+            <a:ext cx="2133600" cy="365125"/>
+          </a:xfrm>
+        </p:spPr>
         <p:txBody>
           <a:bodyPr/>
           <a:lstStyle/>
@@ -5606,10 +5410,10 @@
       </p:sp>
       <p:pic>
         <p:nvPicPr>
-          <p:cNvPr id="9" name="Picture 8" descr="A graph of a line graph&#10;&#10;AI-generated content may be incorrect.">
+          <p:cNvPr id="10" name="Picture 9" descr="A graph of a number of people&#10;&#10;AI-generated content may be incorrect.">
             <a:extLst>
               <a:ext uri="{FF2B5EF4-FFF2-40B4-BE49-F238E27FC236}">
-                <a16:creationId xmlns:a16="http://schemas.microsoft.com/office/drawing/2014/main" id="{DDBA1CCA-3CF2-8628-40CC-CD18DEEF418A}"/>
+                <a16:creationId xmlns:a16="http://schemas.microsoft.com/office/drawing/2014/main" id="{5C546D06-3ED2-7867-4526-EC7F7BECB204}"/>
               </a:ext>
             </a:extLst>
           </p:cNvPr>
@@ -5626,8 +5430,8 @@
         </p:blipFill>
         <p:spPr>
           <a:xfrm>
-            <a:off x="9982200" y="2476500"/>
-            <a:ext cx="8023538" cy="5722883"/>
+            <a:off x="7619410" y="1013651"/>
+            <a:ext cx="10069824" cy="8625650"/>
           </a:xfrm>
           <a:prstGeom prst="rect">
             <a:avLst/>
@@ -5667,8 +5471,8 @@
         </p:nvSpPr>
         <p:spPr>
           <a:xfrm>
-            <a:off x="359133" y="1019175"/>
-            <a:ext cx="17090469" cy="904875"/>
+            <a:off x="362027" y="282575"/>
+            <a:ext cx="17090469" cy="840743"/>
           </a:xfrm>
           <a:prstGeom prst="rect">
             <a:avLst/>
@@ -5680,13 +5484,13 @@
           </a:bodyPr>
           <a:lstStyle/>
           <a:p>
-            <a:pPr marL="0" lvl="0" indent="0" algn="ctr">
+            <a:pPr lvl="0" algn="ctr">
               <a:lnSpc>
                 <a:spcPts val="7080"/>
               </a:lnSpc>
             </a:pPr>
             <a:r>
-              <a:rPr lang="en-US" sz="5900" spc="-118">
+              <a:rPr lang="en-US" sz="4800" spc="-118" dirty="0">
                 <a:solidFill>
                   <a:srgbClr val="4A90E2"/>
                 </a:solidFill>
@@ -5695,252 +5499,8 @@
                 <a:cs typeface="Tenor Sans"/>
                 <a:sym typeface="Tenor Sans"/>
               </a:rPr>
-              <a:t>What events contributed to the change?</a:t>
-            </a:r>
-          </a:p>
-        </p:txBody>
-      </p:sp>
-      <p:sp>
-        <p:nvSpPr>
-          <p:cNvPr id="4" name="TextBox 4"/>
-          <p:cNvSpPr txBox="1"/>
-          <p:nvPr/>
-        </p:nvSpPr>
-        <p:spPr>
-          <a:xfrm>
-            <a:off x="169035" y="2844384"/>
-            <a:ext cx="9660646" cy="7037369"/>
-          </a:xfrm>
-          <a:prstGeom prst="rect">
-            <a:avLst/>
-          </a:prstGeom>
-        </p:spPr>
-        <p:txBody>
-          <a:bodyPr lIns="0" tIns="0" rIns="0" bIns="0" rtlCol="0" anchor="t">
-            <a:spAutoFit/>
-          </a:bodyPr>
-          <a:lstStyle/>
-          <a:p>
-            <a:pPr marL="0" lvl="0" indent="0" algn="l">
-              <a:lnSpc>
-                <a:spcPts val="4288"/>
-              </a:lnSpc>
-              <a:spcBef>
-                <a:spcPct val="0"/>
-              </a:spcBef>
-            </a:pPr>
-            <a:r>
-              <a:rPr lang="en-US" sz="3063">
-                <a:solidFill>
-                  <a:srgbClr val="074559"/>
-                </a:solidFill>
-                <a:latin typeface="Clear Sans"/>
-                <a:ea typeface="Clear Sans"/>
-                <a:cs typeface="Clear Sans"/>
-                <a:sym typeface="Clear Sans"/>
-              </a:rPr>
-              <a:t>The surge was driven by lockdowns, store closures, and rapid e-commerce adoption, followed by stimulus cycles and holiday peak effects.</a:t>
-            </a:r>
-          </a:p>
-          <a:p>
-            <a:pPr marL="0" lvl="0" indent="0" algn="l">
-              <a:lnSpc>
-                <a:spcPts val="4288"/>
-              </a:lnSpc>
-              <a:spcBef>
-                <a:spcPct val="0"/>
-              </a:spcBef>
-            </a:pPr>
-            <a:r>
-              <a:rPr lang="en-US" sz="3063" b="1">
-                <a:solidFill>
-                  <a:srgbClr val="074559"/>
-                </a:solidFill>
-                <a:latin typeface="Clear Sans Bold"/>
-                <a:ea typeface="Clear Sans Bold"/>
-                <a:cs typeface="Clear Sans Bold"/>
-                <a:sym typeface="Clear Sans Bold"/>
-              </a:rPr>
-              <a:t>Timeline Drivers</a:t>
-            </a:r>
-          </a:p>
-          <a:p>
-            <a:pPr marL="661355" lvl="1" indent="-330678" algn="l">
-              <a:lnSpc>
-                <a:spcPts val="4288"/>
-              </a:lnSpc>
-              <a:spcBef>
-                <a:spcPct val="0"/>
-              </a:spcBef>
-              <a:buFont typeface="Arial"/>
-              <a:buChar char="•"/>
-            </a:pPr>
-            <a:r>
-              <a:rPr lang="en-US" sz="3063">
-                <a:solidFill>
-                  <a:srgbClr val="074559"/>
-                </a:solidFill>
-                <a:latin typeface="Clear Sans"/>
-                <a:ea typeface="Clear Sans"/>
-                <a:cs typeface="Clear Sans"/>
-                <a:sym typeface="Clear Sans"/>
-              </a:rPr>
-              <a:t>Week 11: Onset of lockdowns</a:t>
-            </a:r>
-          </a:p>
-          <a:p>
-            <a:pPr marL="661355" lvl="1" indent="-330678" algn="l">
-              <a:lnSpc>
-                <a:spcPts val="4288"/>
-              </a:lnSpc>
-              <a:spcBef>
-                <a:spcPct val="0"/>
-              </a:spcBef>
-              <a:buFont typeface="Arial"/>
-              <a:buChar char="•"/>
-            </a:pPr>
-            <a:r>
-              <a:rPr lang="en-US" sz="3063">
-                <a:solidFill>
-                  <a:srgbClr val="074559"/>
-                </a:solidFill>
-                <a:latin typeface="Clear Sans"/>
-                <a:ea typeface="Clear Sans"/>
-                <a:cs typeface="Clear Sans"/>
-                <a:sym typeface="Clear Sans"/>
-              </a:rPr>
-              <a:t>Week 12–20: Shift to online retail</a:t>
-            </a:r>
-          </a:p>
-          <a:p>
-            <a:pPr marL="661355" lvl="1" indent="-330678" algn="l">
-              <a:lnSpc>
-                <a:spcPts val="4288"/>
-              </a:lnSpc>
-              <a:spcBef>
-                <a:spcPct val="0"/>
-              </a:spcBef>
-              <a:buFont typeface="Arial"/>
-              <a:buChar char="•"/>
-            </a:pPr>
-            <a:r>
-              <a:rPr lang="en-US" sz="3063">
-                <a:solidFill>
-                  <a:srgbClr val="074559"/>
-                </a:solidFill>
-                <a:latin typeface="Clear Sans"/>
-                <a:ea typeface="Clear Sans"/>
-                <a:cs typeface="Clear Sans"/>
-                <a:sym typeface="Clear Sans"/>
-              </a:rPr>
-              <a:t>Summer 2020: Stimulus, re-opening</a:t>
-            </a:r>
-          </a:p>
-          <a:p>
-            <a:pPr marL="661355" lvl="1" indent="-330678" algn="l">
-              <a:lnSpc>
-                <a:spcPts val="4288"/>
-              </a:lnSpc>
-              <a:spcBef>
-                <a:spcPct val="0"/>
-              </a:spcBef>
-              <a:buFont typeface="Arial"/>
-              <a:buChar char="•"/>
-            </a:pPr>
-            <a:r>
-              <a:rPr lang="en-US" sz="3063">
-                <a:solidFill>
-                  <a:srgbClr val="074559"/>
-                </a:solidFill>
-                <a:latin typeface="Clear Sans"/>
-                <a:ea typeface="Clear Sans"/>
-                <a:cs typeface="Clear Sans"/>
-                <a:sym typeface="Clear Sans"/>
-              </a:rPr>
-              <a:t>Q4 2020: E-commerce holiday peak</a:t>
-            </a:r>
-          </a:p>
-          <a:p>
-            <a:pPr marL="0" lvl="0" indent="0" algn="l">
-              <a:lnSpc>
-                <a:spcPts val="4288"/>
-              </a:lnSpc>
-              <a:spcBef>
-                <a:spcPct val="0"/>
-              </a:spcBef>
-            </a:pPr>
-            <a:r>
-              <a:rPr lang="en-US" sz="3063" b="1">
-                <a:solidFill>
-                  <a:srgbClr val="074559"/>
-                </a:solidFill>
-                <a:latin typeface="Clear Sans Bold"/>
-                <a:ea typeface="Clear Sans Bold"/>
-                <a:cs typeface="Clear Sans Bold"/>
-                <a:sym typeface="Clear Sans Bold"/>
-              </a:rPr>
-              <a:t>Implication</a:t>
-            </a:r>
-          </a:p>
-          <a:p>
-            <a:pPr marL="0" lvl="0" indent="0" algn="l">
-              <a:lnSpc>
-                <a:spcPts val="4288"/>
-              </a:lnSpc>
-              <a:spcBef>
-                <a:spcPct val="0"/>
-              </a:spcBef>
-            </a:pPr>
-            <a:r>
-              <a:rPr lang="en-US" sz="3063">
-                <a:solidFill>
-                  <a:srgbClr val="074559"/>
-                </a:solidFill>
-                <a:latin typeface="Clear Sans"/>
-                <a:ea typeface="Clear Sans"/>
-                <a:cs typeface="Clear Sans"/>
-                <a:sym typeface="Clear Sans"/>
-              </a:rPr>
-              <a:t> Demand linked tightly to consumer behavior changes and policy events.</a:t>
-            </a:r>
-          </a:p>
-          <a:p>
-            <a:pPr marL="0" lvl="0" indent="0" algn="l">
-              <a:lnSpc>
-                <a:spcPts val="4288"/>
-              </a:lnSpc>
-              <a:spcBef>
-                <a:spcPct val="0"/>
-              </a:spcBef>
-            </a:pPr>
-            <a:endParaRPr lang="en-US" sz="3063">
-              <a:solidFill>
-                <a:srgbClr val="074559"/>
-              </a:solidFill>
-              <a:latin typeface="Clear Sans"/>
-              <a:ea typeface="Clear Sans"/>
-              <a:cs typeface="Clear Sans"/>
-              <a:sym typeface="Clear Sans"/>
-            </a:endParaRPr>
-          </a:p>
-          <a:p>
-            <a:pPr marL="0" lvl="0" indent="0" algn="ctr">
-              <a:lnSpc>
-                <a:spcPts val="4288"/>
-              </a:lnSpc>
-              <a:spcBef>
-                <a:spcPct val="0"/>
-              </a:spcBef>
-            </a:pPr>
-            <a:endParaRPr lang="en-US" sz="3063">
-              <a:solidFill>
-                <a:srgbClr val="074559"/>
-              </a:solidFill>
-              <a:latin typeface="Clear Sans"/>
-              <a:ea typeface="Clear Sans"/>
-              <a:cs typeface="Clear Sans"/>
-              <a:sym typeface="Clear Sans"/>
-            </a:endParaRPr>
+              <a:t>When were customer volumes first impacted?</a:t>
+            </a:r>
           </a:p>
         </p:txBody>
       </p:sp>
@@ -5949,7 +5509,7 @@
           <p:cNvPr id="5" name="Slide Number Placeholder 4">
             <a:extLst>
               <a:ext uri="{FF2B5EF4-FFF2-40B4-BE49-F238E27FC236}">
-                <a16:creationId xmlns:a16="http://schemas.microsoft.com/office/drawing/2014/main" id="{00C42532-4F6E-88E0-7396-18D8EEF066CB}"/>
+                <a16:creationId xmlns:a16="http://schemas.microsoft.com/office/drawing/2014/main" id="{A25DE9AE-30E5-DD5F-BF1F-4A23350F5EB5}"/>
               </a:ext>
             </a:extLst>
           </p:cNvPr>
@@ -5960,7 +5520,12 @@
             <p:ph type="sldNum" sz="quarter" idx="12"/>
           </p:nvPr>
         </p:nvSpPr>
-        <p:spPr/>
+        <p:spPr>
+          <a:xfrm>
+            <a:off x="15318896" y="9639300"/>
+            <a:ext cx="2133600" cy="365125"/>
+          </a:xfrm>
+        </p:spPr>
         <p:txBody>
           <a:bodyPr/>
           <a:lstStyle/>
@@ -5970,16 +5535,16 @@
               <a:pPr/>
               <a:t>4</a:t>
             </a:fld>
-            <a:endParaRPr lang="en-US"/>
+            <a:endParaRPr lang="en-US" dirty="0"/>
           </a:p>
         </p:txBody>
       </p:sp>
       <p:pic>
         <p:nvPicPr>
-          <p:cNvPr id="6" name="Picture 5" descr="A graph of a line graph&#10;&#10;AI-generated content may be incorrect.">
+          <p:cNvPr id="10" name="Picture 9" descr="A graph of a number of people&#10;&#10;AI-generated content may be incorrect.">
             <a:extLst>
               <a:ext uri="{FF2B5EF4-FFF2-40B4-BE49-F238E27FC236}">
-                <a16:creationId xmlns:a16="http://schemas.microsoft.com/office/drawing/2014/main" id="{7B4F8732-E7C8-411F-F6DB-F86AF4BBECE4}"/>
+                <a16:creationId xmlns:a16="http://schemas.microsoft.com/office/drawing/2014/main" id="{3E22624A-CC29-1CD4-937A-81116B5188A4}"/>
               </a:ext>
             </a:extLst>
           </p:cNvPr>
@@ -5996,8 +5561,8 @@
         </p:blipFill>
         <p:spPr>
           <a:xfrm>
-            <a:off x="9982200" y="2476500"/>
-            <a:ext cx="8023538" cy="5722883"/>
+            <a:off x="1981200" y="1196534"/>
+            <a:ext cx="15011400" cy="8414409"/>
           </a:xfrm>
           <a:prstGeom prst="rect">
             <a:avLst/>
@@ -6037,7 +5602,7 @@
         </p:nvSpPr>
         <p:spPr>
           <a:xfrm>
-            <a:off x="359133" y="1019175"/>
+            <a:off x="346522" y="100474"/>
             <a:ext cx="17090469" cy="904875"/>
           </a:xfrm>
           <a:prstGeom prst="rect">
@@ -6056,7 +5621,7 @@
               </a:lnSpc>
             </a:pPr>
             <a:r>
-              <a:rPr lang="en-US" sz="5900" spc="-118">
+              <a:rPr lang="en-US" sz="5900" spc="-118" dirty="0">
                 <a:solidFill>
                   <a:srgbClr val="4A90E2"/>
                 </a:solidFill>
@@ -6078,8 +5643,8 @@
         </p:nvSpPr>
         <p:spPr>
           <a:xfrm>
-            <a:off x="169035" y="2844384"/>
-            <a:ext cx="8620802" cy="7126631"/>
+            <a:off x="318089" y="2844384"/>
+            <a:ext cx="7606711" cy="6023765"/>
           </a:xfrm>
           <a:prstGeom prst="rect">
             <a:avLst/>
@@ -6121,7 +5686,7 @@
                 <a:cs typeface="Clear Sans Bold"/>
                 <a:sym typeface="Clear Sans Bold"/>
               </a:rPr>
-              <a:t>higher than 2019</a:t>
+              <a:t>higher in 2020 than in 2019</a:t>
             </a:r>
             <a:r>
               <a:rPr lang="en-US" sz="3063" dirty="0">
@@ -6133,31 +5698,7 @@
                 <a:cs typeface="Clear Sans"/>
                 <a:sym typeface="Clear Sans"/>
               </a:rPr>
-              <a:t> and began </a:t>
-            </a:r>
-            <a:r>
-              <a:rPr lang="en-US" sz="3063" b="1" dirty="0">
-                <a:solidFill>
-                  <a:srgbClr val="074559"/>
-                </a:solidFill>
-                <a:latin typeface="Clear Sans Bold"/>
-                <a:ea typeface="Clear Sans Bold"/>
-                <a:cs typeface="Clear Sans Bold"/>
-                <a:sym typeface="Clear Sans Bold"/>
-              </a:rPr>
-              <a:t>earlier</a:t>
-            </a:r>
-            <a:r>
-              <a:rPr lang="en-US" sz="3063" dirty="0">
-                <a:solidFill>
-                  <a:srgbClr val="074559"/>
-                </a:solidFill>
-                <a:latin typeface="Clear Sans"/>
-                <a:ea typeface="Clear Sans"/>
-                <a:cs typeface="Clear Sans"/>
-                <a:sym typeface="Clear Sans"/>
-              </a:rPr>
-              <a:t>, extending the surge across November–December.</a:t>
+              <a:t> (November–December).</a:t>
             </a:r>
           </a:p>
           <a:p>
@@ -6180,6 +5721,66 @@
                 <a:sym typeface="Clear Sans Bold"/>
               </a:rPr>
               <a:t>Evidence</a:t>
+            </a:r>
+          </a:p>
+          <a:p>
+            <a:pPr marL="661355" lvl="1" indent="-330678">
+              <a:lnSpc>
+                <a:spcPts val="4288"/>
+              </a:lnSpc>
+              <a:spcBef>
+                <a:spcPct val="0"/>
+              </a:spcBef>
+              <a:buFont typeface="Arial"/>
+              <a:buChar char="•"/>
+            </a:pPr>
+            <a:r>
+              <a:rPr lang="en-US" sz="3063" dirty="0">
+                <a:solidFill>
+                  <a:srgbClr val="074559"/>
+                </a:solidFill>
+                <a:latin typeface="Clear Sans"/>
+                <a:ea typeface="Clear Sans"/>
+                <a:cs typeface="Clear Sans"/>
+                <a:sym typeface="Clear Sans"/>
+              </a:rPr>
+              <a:t>Peak volume</a:t>
+            </a:r>
+            <a:r>
+              <a:rPr lang="en-US" sz="3063" b="1" dirty="0">
+                <a:solidFill>
+                  <a:srgbClr val="074559"/>
+                </a:solidFill>
+                <a:latin typeface="Clear Sans Bold"/>
+                <a:ea typeface="Clear Sans Bold"/>
+                <a:cs typeface="Clear Sans Bold"/>
+                <a:sym typeface="Clear Sans Bold"/>
+              </a:rPr>
+              <a:t> </a:t>
+            </a:r>
+            <a:r>
+              <a:rPr lang="en-US" sz="3063" dirty="0">
+                <a:solidFill>
+                  <a:srgbClr val="074559"/>
+                </a:solidFill>
+                <a:latin typeface="Clear Sans"/>
+                <a:ea typeface="Clear Sans"/>
+                <a:cs typeface="Clear Sans"/>
+                <a:sym typeface="Clear Sans"/>
+              </a:rPr>
+              <a:t>week </a:t>
+            </a:r>
+            <a:r>
+              <a:rPr lang="en-US" sz="3063" b="1" dirty="0">
+                <a:solidFill>
+                  <a:srgbClr val="074559"/>
+                </a:solidFill>
+                <a:latin typeface="Clear Sans Bold"/>
+                <a:ea typeface="Clear Sans Bold"/>
+                <a:cs typeface="Clear Sans Bold"/>
+                <a:sym typeface="Clear Sans Bold"/>
+              </a:rPr>
+              <a:t>2019 vs 2020 peak</a:t>
             </a:r>
           </a:p>
           <a:p>
@@ -6203,7 +5804,7 @@
                 <a:cs typeface="Clear Sans"/>
                 <a:sym typeface="Clear Sans"/>
               </a:rPr>
-              <a:t>Peak week volume </a:t>
+              <a:t>Peak </a:t>
             </a:r>
             <a:r>
               <a:rPr lang="en-US" sz="3063" b="1" dirty="0">
@@ -6215,20 +5816,8 @@
                 <a:cs typeface="Clear Sans Bold"/>
                 <a:sym typeface="Clear Sans Bold"/>
               </a:rPr>
-              <a:t>up vs 2019 peak</a:t>
-            </a:r>
-          </a:p>
-          <a:p>
-            <a:pPr marL="661355" lvl="1" indent="-330678" algn="l">
-              <a:lnSpc>
-                <a:spcPts val="4288"/>
-              </a:lnSpc>
-              <a:spcBef>
-                <a:spcPct val="0"/>
-              </a:spcBef>
-              <a:buFont typeface="Arial"/>
-              <a:buChar char="•"/>
-            </a:pPr>
+              <a:t>Weeks 45–53</a:t>
+            </a:r>
             <a:r>
               <a:rPr lang="en-US" sz="3063" dirty="0">
                 <a:solidFill>
@@ -6239,31 +5828,7 @@
                 <a:cs typeface="Clear Sans"/>
                 <a:sym typeface="Clear Sans"/>
               </a:rPr>
-              <a:t>Extended peak </a:t>
-            </a:r>
-            <a:r>
-              <a:rPr lang="en-US" sz="3063" b="1" dirty="0">
-                <a:solidFill>
-                  <a:srgbClr val="074559"/>
-                </a:solidFill>
-                <a:latin typeface="Clear Sans Bold"/>
-                <a:ea typeface="Clear Sans Bold"/>
-                <a:cs typeface="Clear Sans Bold"/>
-                <a:sym typeface="Clear Sans Bold"/>
-              </a:rPr>
-              <a:t>Weeks 45–51</a:t>
-            </a:r>
-            <a:r>
-              <a:rPr lang="en-US" sz="3063" dirty="0">
-                <a:solidFill>
-                  <a:srgbClr val="074559"/>
-                </a:solidFill>
-                <a:latin typeface="Clear Sans"/>
-                <a:ea typeface="Clear Sans"/>
-                <a:cs typeface="Clear Sans"/>
-                <a:sym typeface="Clear Sans"/>
-              </a:rPr>
-              <a:t> (longer duration)</a:t>
+              <a:t> </a:t>
             </a:r>
           </a:p>
           <a:p>
@@ -6395,7 +5960,12 @@
             <p:ph type="sldNum" sz="quarter" idx="12"/>
           </p:nvPr>
         </p:nvSpPr>
-        <p:spPr/>
+        <p:spPr>
+          <a:xfrm>
+            <a:off x="15310215" y="9605890"/>
+            <a:ext cx="2133600" cy="365125"/>
+          </a:xfrm>
+        </p:spPr>
         <p:txBody>
           <a:bodyPr/>
           <a:lstStyle/>
@@ -6405,16 +5975,16 @@
               <a:pPr/>
               <a:t>5</a:t>
             </a:fld>
-            <a:endParaRPr lang="en-US"/>
+            <a:endParaRPr lang="en-US" dirty="0"/>
           </a:p>
         </p:txBody>
       </p:sp>
       <p:pic>
         <p:nvPicPr>
-          <p:cNvPr id="6" name="Picture 5" descr="A graph of a number of people&#10;&#10;AI-generated content may be incorrect.">
+          <p:cNvPr id="10" name="Picture 9" descr="A graph of growth and growth&#10;&#10;AI-generated content may be incorrect.">
             <a:extLst>
               <a:ext uri="{FF2B5EF4-FFF2-40B4-BE49-F238E27FC236}">
-                <a16:creationId xmlns:a16="http://schemas.microsoft.com/office/drawing/2014/main" id="{28A074EF-8DB7-2FCD-7D60-089F9BD604CB}"/>
+                <a16:creationId xmlns:a16="http://schemas.microsoft.com/office/drawing/2014/main" id="{B987F45B-5DFB-00EE-FAA3-EE232E78D4B2}"/>
               </a:ext>
             </a:extLst>
           </p:cNvPr>
@@ -6431,8 +6001,8 @@
         </p:blipFill>
         <p:spPr>
           <a:xfrm>
-            <a:off x="8229600" y="2768551"/>
-            <a:ext cx="10080171" cy="6499274"/>
+            <a:off x="7772400" y="1005349"/>
+            <a:ext cx="10058400" cy="9281651"/>
           </a:xfrm>
           <a:prstGeom prst="rect">
             <a:avLst/>
@@ -6500,7 +6070,7 @@
                 <a:cs typeface="Tenor Sans"/>
                 <a:sym typeface="Tenor Sans"/>
               </a:rPr>
-              <a:t>How has COVID affected different customer groups?</a:t>
+              <a:t>% Growing vs Stable vs Declining</a:t>
             </a:r>
           </a:p>
         </p:txBody>
@@ -6513,29 +6083,29 @@
         </p:nvSpPr>
         <p:spPr>
           <a:xfrm>
-            <a:off x="169035" y="2844384"/>
-            <a:ext cx="9660646" cy="6494444"/>
+            <a:off x="263107" y="2145838"/>
+            <a:ext cx="6137693" cy="8421023"/>
           </a:xfrm>
           <a:prstGeom prst="rect">
             <a:avLst/>
           </a:prstGeom>
         </p:spPr>
         <p:txBody>
-          <a:bodyPr lIns="0" tIns="0" rIns="0" bIns="0" rtlCol="0" anchor="t">
+          <a:bodyPr wrap="square" lIns="0" tIns="0" rIns="0" bIns="0" rtlCol="0" anchor="t">
             <a:spAutoFit/>
           </a:bodyPr>
           <a:lstStyle/>
           <a:p>
             <a:pPr marL="0" lvl="0" indent="0" algn="l">
               <a:lnSpc>
-                <a:spcPts val="4288"/>
+                <a:spcPts val="4396"/>
               </a:lnSpc>
               <a:spcBef>
                 <a:spcPct val="0"/>
               </a:spcBef>
             </a:pPr>
             <a:r>
-              <a:rPr lang="en-US" sz="3063">
+              <a:rPr lang="en-US" sz="2200" dirty="0">
                 <a:solidFill>
                   <a:srgbClr val="074559"/>
                 </a:solidFill>
@@ -6544,10 +6114,10 @@
                 <a:cs typeface="Clear Sans"/>
                 <a:sym typeface="Clear Sans"/>
               </a:rPr>
-              <a:t>All groups grew, but </a:t>
-            </a:r>
-            <a:r>
-              <a:rPr lang="en-US" sz="3063" b="1">
+              <a:t>Customer distribution shows </a:t>
+            </a:r>
+            <a:r>
+              <a:rPr lang="en-US" sz="2200" b="1" dirty="0">
                 <a:solidFill>
                   <a:srgbClr val="074559"/>
                 </a:solidFill>
@@ -6556,10 +6126,10 @@
                 <a:cs typeface="Clear Sans Bold"/>
                 <a:sym typeface="Clear Sans Bold"/>
               </a:rPr>
-              <a:t>Medium and Small outpaced the network,</a:t>
-            </a:r>
-            <a:r>
-              <a:rPr lang="en-US" sz="3063">
+              <a:t>balanced performance</a:t>
+            </a:r>
+            <a:r>
+              <a:rPr lang="en-US" sz="2200" dirty="0">
                 <a:solidFill>
                   <a:srgbClr val="074559"/>
                 </a:solidFill>
@@ -6568,10 +6138,10 @@
                 <a:cs typeface="Clear Sans"/>
                 <a:sym typeface="Clear Sans"/>
               </a:rPr>
-              <a:t> while Enterprise delivered the </a:t>
-            </a:r>
-            <a:r>
-              <a:rPr lang="en-US" sz="3063" b="1">
+              <a:t>, with the majority </a:t>
+            </a:r>
+            <a:r>
+              <a:rPr lang="en-US" sz="2200" b="1" dirty="0">
                 <a:solidFill>
                   <a:srgbClr val="074559"/>
                 </a:solidFill>
@@ -6580,20 +6150,32 @@
                 <a:cs typeface="Clear Sans Bold"/>
                 <a:sym typeface="Clear Sans Bold"/>
               </a:rPr>
-              <a:t>largest absolute lift.</a:t>
+              <a:t>growing or moderately growing</a:t>
+            </a:r>
+            <a:r>
+              <a:rPr lang="en-US" sz="2200" dirty="0">
+                <a:solidFill>
+                  <a:srgbClr val="074559"/>
+                </a:solidFill>
+                <a:latin typeface="Clear Sans"/>
+                <a:ea typeface="Clear Sans"/>
+                <a:cs typeface="Clear Sans"/>
+                <a:sym typeface="Clear Sans"/>
+              </a:rPr>
+              <a:t>, and a smaller share declining.</a:t>
             </a:r>
           </a:p>
           <a:p>
             <a:pPr marL="0" lvl="0" indent="0" algn="l">
               <a:lnSpc>
-                <a:spcPts val="4288"/>
+                <a:spcPts val="4396"/>
               </a:lnSpc>
               <a:spcBef>
                 <a:spcPct val="0"/>
               </a:spcBef>
             </a:pPr>
             <a:r>
-              <a:rPr lang="en-US" sz="3063" b="1">
+              <a:rPr lang="en-US" sz="2200" b="1" dirty="0">
                 <a:solidFill>
                   <a:srgbClr val="074559"/>
                 </a:solidFill>
@@ -6606,9 +6188,9 @@
             </a:r>
           </a:p>
           <a:p>
-            <a:pPr marL="661355" lvl="1" indent="-330678" algn="l">
+            <a:pPr marL="678059" lvl="1" indent="-339030" algn="l">
               <a:lnSpc>
-                <a:spcPts val="4288"/>
+                <a:spcPts val="4396"/>
               </a:lnSpc>
               <a:spcBef>
                 <a:spcPct val="0"/>
@@ -6617,7 +6199,7 @@
               <a:buChar char="•"/>
             </a:pPr>
             <a:r>
-              <a:rPr lang="en-US" sz="3063">
+              <a:rPr lang="en-US" sz="2200" dirty="0">
                 <a:solidFill>
                   <a:srgbClr val="074559"/>
                 </a:solidFill>
@@ -6626,25 +6208,13 @@
                 <a:cs typeface="Clear Sans"/>
                 <a:sym typeface="Clear Sans"/>
               </a:rPr>
-              <a:t>Enterprise: </a:t>
-            </a:r>
-            <a:r>
-              <a:rPr lang="en-US" sz="3063" b="1">
-                <a:solidFill>
-                  <a:srgbClr val="074559"/>
-                </a:solidFill>
-                <a:latin typeface="Clear Sans Bold"/>
-                <a:ea typeface="Clear Sans Bold"/>
-                <a:cs typeface="Clear Sans Bold"/>
-                <a:sym typeface="Clear Sans Bold"/>
-              </a:rPr>
-              <a:t>+37%</a:t>
-            </a:r>
-          </a:p>
-          <a:p>
-            <a:pPr marL="661355" lvl="1" indent="-330678" algn="l">
+              <a:t>High-growth customers: outsized gains (&gt; network)</a:t>
+            </a:r>
+          </a:p>
+          <a:p>
+            <a:pPr marL="678059" lvl="1" indent="-339030" algn="l">
               <a:lnSpc>
-                <a:spcPts val="4288"/>
+                <a:spcPts val="4396"/>
               </a:lnSpc>
               <a:spcBef>
                 <a:spcPct val="0"/>
@@ -6653,7 +6223,7 @@
               <a:buChar char="•"/>
             </a:pPr>
             <a:r>
-              <a:rPr lang="en-US" sz="3063">
+              <a:rPr lang="en-US" sz="2200" dirty="0">
                 <a:solidFill>
                   <a:srgbClr val="074559"/>
                 </a:solidFill>
@@ -6662,25 +6232,13 @@
                 <a:cs typeface="Clear Sans"/>
                 <a:sym typeface="Clear Sans"/>
               </a:rPr>
-              <a:t>Large: </a:t>
-            </a:r>
-            <a:r>
-              <a:rPr lang="en-US" sz="3063" b="1">
-                <a:solidFill>
-                  <a:srgbClr val="074559"/>
-                </a:solidFill>
-                <a:latin typeface="Clear Sans Bold"/>
-                <a:ea typeface="Clear Sans Bold"/>
-                <a:cs typeface="Clear Sans Bold"/>
-                <a:sym typeface="Clear Sans Bold"/>
-              </a:rPr>
-              <a:t>+33%</a:t>
-            </a:r>
-          </a:p>
-          <a:p>
-            <a:pPr marL="661355" lvl="1" indent="-330678" algn="l">
+              <a:t>Moderate growth: align with network growth</a:t>
+            </a:r>
+          </a:p>
+          <a:p>
+            <a:pPr marL="678059" lvl="1" indent="-339030" algn="l">
               <a:lnSpc>
-                <a:spcPts val="4288"/>
+                <a:spcPts val="4396"/>
               </a:lnSpc>
               <a:spcBef>
                 <a:spcPct val="0"/>
@@ -6689,7 +6247,7 @@
               <a:buChar char="•"/>
             </a:pPr>
             <a:r>
-              <a:rPr lang="en-US" sz="3063">
+              <a:rPr lang="en-US" sz="2200" dirty="0">
                 <a:solidFill>
                   <a:srgbClr val="074559"/>
                 </a:solidFill>
@@ -6698,68 +6256,20 @@
                 <a:cs typeface="Clear Sans"/>
                 <a:sym typeface="Clear Sans"/>
               </a:rPr>
-              <a:t>Medium: </a:t>
-            </a:r>
-            <a:r>
-              <a:rPr lang="en-US" sz="3063" b="1">
-                <a:solidFill>
-                  <a:srgbClr val="074559"/>
-                </a:solidFill>
-                <a:latin typeface="Clear Sans Bold"/>
-                <a:ea typeface="Clear Sans Bold"/>
-                <a:cs typeface="Clear Sans Bold"/>
-                <a:sym typeface="Clear Sans Bold"/>
-              </a:rPr>
-              <a:t>+41%</a:t>
-            </a:r>
-          </a:p>
-          <a:p>
-            <a:pPr marL="661355" lvl="1" indent="-330678" algn="l">
-              <a:lnSpc>
-                <a:spcPts val="4288"/>
-              </a:lnSpc>
-              <a:spcBef>
-                <a:spcPct val="0"/>
-              </a:spcBef>
-              <a:buFont typeface="Arial"/>
-              <a:buChar char="•"/>
-            </a:pPr>
-            <a:r>
-              <a:rPr lang="en-US" sz="3063">
-                <a:solidFill>
-                  <a:srgbClr val="074559"/>
-                </a:solidFill>
-                <a:latin typeface="Clear Sans"/>
-                <a:ea typeface="Clear Sans"/>
-                <a:cs typeface="Clear Sans"/>
-                <a:sym typeface="Clear Sans"/>
-              </a:rPr>
-              <a:t>Small: </a:t>
-            </a:r>
-            <a:r>
-              <a:rPr lang="en-US" sz="3063" b="1">
-                <a:solidFill>
-                  <a:srgbClr val="074559"/>
-                </a:solidFill>
-                <a:latin typeface="Clear Sans Bold"/>
-                <a:ea typeface="Clear Sans Bold"/>
-                <a:cs typeface="Clear Sans Bold"/>
-                <a:sym typeface="Clear Sans Bold"/>
-              </a:rPr>
-              <a:t>+51%</a:t>
+              <a:t>Declining: small minority with lower 2020 volume</a:t>
             </a:r>
           </a:p>
           <a:p>
             <a:pPr marL="0" lvl="0" indent="0" algn="l">
               <a:lnSpc>
-                <a:spcPts val="4288"/>
+                <a:spcPts val="4396"/>
               </a:lnSpc>
               <a:spcBef>
                 <a:spcPct val="0"/>
               </a:spcBef>
             </a:pPr>
             <a:r>
-              <a:rPr lang="en-US" sz="3063" b="1">
+              <a:rPr lang="en-US" sz="2200" b="1" dirty="0">
                 <a:solidFill>
                   <a:srgbClr val="074559"/>
                 </a:solidFill>
@@ -6774,14 +6284,14 @@
           <a:p>
             <a:pPr marL="0" lvl="0" indent="0" algn="l">
               <a:lnSpc>
-                <a:spcPts val="4288"/>
+                <a:spcPts val="4396"/>
               </a:lnSpc>
               <a:spcBef>
                 <a:spcPct val="0"/>
               </a:spcBef>
             </a:pPr>
             <a:r>
-              <a:rPr lang="en-US" sz="3063">
+              <a:rPr lang="en-US" sz="2200" dirty="0">
                 <a:solidFill>
                   <a:srgbClr val="074559"/>
                 </a:solidFill>
@@ -6790,19 +6300,19 @@
                 <a:cs typeface="Clear Sans"/>
                 <a:sym typeface="Clear Sans"/>
               </a:rPr>
-              <a:t> Segment strategy should diversify focus beyond Enterprise.</a:t>
+              <a:t> Customer performance is uneven and requires targeted playbooks.</a:t>
             </a:r>
           </a:p>
           <a:p>
             <a:pPr marL="0" lvl="0" indent="0" algn="ctr">
               <a:lnSpc>
-                <a:spcPts val="4288"/>
+                <a:spcPts val="4396"/>
               </a:lnSpc>
               <a:spcBef>
                 <a:spcPct val="0"/>
               </a:spcBef>
             </a:pPr>
-            <a:endParaRPr lang="en-US" sz="3063">
+            <a:endParaRPr lang="en-US" sz="3140" dirty="0">
               <a:solidFill>
                 <a:srgbClr val="074559"/>
               </a:solidFill>
@@ -6819,7 +6329,7 @@
           <p:cNvPr id="5" name="Slide Number Placeholder 4">
             <a:extLst>
               <a:ext uri="{FF2B5EF4-FFF2-40B4-BE49-F238E27FC236}">
-                <a16:creationId xmlns:a16="http://schemas.microsoft.com/office/drawing/2014/main" id="{F61D9539-127F-5126-1893-3476D90DD784}"/>
+                <a16:creationId xmlns:a16="http://schemas.microsoft.com/office/drawing/2014/main" id="{2617A2DA-AB9E-5E0D-64E5-0BB656B9E2D0}"/>
               </a:ext>
             </a:extLst>
           </p:cNvPr>
@@ -6830,7 +6340,12 @@
             <p:ph type="sldNum" sz="quarter" idx="12"/>
           </p:nvPr>
         </p:nvSpPr>
-        <p:spPr/>
+        <p:spPr>
+          <a:xfrm>
+            <a:off x="15240000" y="9486900"/>
+            <a:ext cx="2133600" cy="365125"/>
+          </a:xfrm>
+        </p:spPr>
         <p:txBody>
           <a:bodyPr/>
           <a:lstStyle/>
@@ -6840,16 +6355,16 @@
               <a:pPr/>
               <a:t>6</a:t>
             </a:fld>
-            <a:endParaRPr lang="en-US"/>
+            <a:endParaRPr lang="en-US" dirty="0"/>
           </a:p>
         </p:txBody>
       </p:sp>
       <p:pic>
         <p:nvPicPr>
-          <p:cNvPr id="2" name="Picture 1" descr="A graph of numbers and a number of people&#10;&#10;AI-generated content may be incorrect.">
+          <p:cNvPr id="8" name="Picture 7" descr="A group of pie charts&#10;&#10;AI-generated content may be incorrect.">
             <a:extLst>
               <a:ext uri="{FF2B5EF4-FFF2-40B4-BE49-F238E27FC236}">
-                <a16:creationId xmlns:a16="http://schemas.microsoft.com/office/drawing/2014/main" id="{3593AA6E-B4A1-4939-B533-8B5301BD0DD8}"/>
+                <a16:creationId xmlns:a16="http://schemas.microsoft.com/office/drawing/2014/main" id="{20C9DF90-BEE5-3785-4FAE-1B0B1694B3A3}"/>
               </a:ext>
             </a:extLst>
           </p:cNvPr>
@@ -6866,8 +6381,8 @@
         </p:blipFill>
         <p:spPr>
           <a:xfrm>
-            <a:off x="9336256" y="2860713"/>
-            <a:ext cx="8113346" cy="5867400"/>
+            <a:off x="6400800" y="2145269"/>
+            <a:ext cx="11624093" cy="7687462"/>
           </a:xfrm>
           <a:prstGeom prst="rect">
             <a:avLst/>
@@ -6907,8 +6422,8 @@
         </p:nvSpPr>
         <p:spPr>
           <a:xfrm>
-            <a:off x="359133" y="1019175"/>
-            <a:ext cx="17090469" cy="828675"/>
+            <a:off x="254378" y="647700"/>
+            <a:ext cx="17090469" cy="783035"/>
           </a:xfrm>
           <a:prstGeom prst="rect">
             <a:avLst/>
@@ -6920,13 +6435,13 @@
           </a:bodyPr>
           <a:lstStyle/>
           <a:p>
-            <a:pPr marL="0" lvl="0" indent="0" algn="ctr">
+            <a:pPr lvl="0" algn="ctr">
               <a:lnSpc>
                 <a:spcPts val="6480"/>
               </a:lnSpc>
             </a:pPr>
             <a:r>
-              <a:rPr lang="en-US" sz="5400" spc="-108">
+              <a:rPr lang="en-US" sz="4800" spc="-108" dirty="0">
                 <a:solidFill>
                   <a:srgbClr val="4A90E2"/>
                 </a:solidFill>
@@ -6935,7 +6450,7 @@
                 <a:cs typeface="Tenor Sans"/>
                 <a:sym typeface="Tenor Sans"/>
               </a:rPr>
-              <a:t>% Growing vs Stable vs Declining</a:t>
+              <a:t>% New Customers and Lost Customers During COVID</a:t>
             </a:r>
           </a:p>
         </p:txBody>
@@ -6948,8 +6463,8 @@
         </p:nvSpPr>
         <p:spPr>
           <a:xfrm>
-            <a:off x="263107" y="2145838"/>
-            <a:ext cx="8195093" cy="8421023"/>
+            <a:off x="196493" y="2742818"/>
+            <a:ext cx="5899507" cy="4471224"/>
           </a:xfrm>
           <a:prstGeom prst="rect">
             <a:avLst/>
@@ -6960,6 +6475,124 @@
             <a:spAutoFit/>
           </a:bodyPr>
           <a:lstStyle/>
+          <a:p>
+            <a:pPr lvl="0">
+              <a:lnSpc>
+                <a:spcPts val="4396"/>
+              </a:lnSpc>
+              <a:spcBef>
+                <a:spcPct val="0"/>
+              </a:spcBef>
+            </a:pPr>
+            <a:r>
+              <a:rPr lang="en-US" sz="3140" b="1" dirty="0">
+                <a:solidFill>
+                  <a:srgbClr val="074559"/>
+                </a:solidFill>
+                <a:latin typeface="Clear Sans Bold"/>
+                <a:ea typeface="Clear Sans Bold"/>
+                <a:cs typeface="Clear Sans Bold"/>
+                <a:sym typeface="Clear Sans Bold"/>
+              </a:rPr>
+              <a:t>0% of customers were new</a:t>
+            </a:r>
+          </a:p>
+          <a:p>
+            <a:pPr lvl="0">
+              <a:lnSpc>
+                <a:spcPts val="4396"/>
+              </a:lnSpc>
+              <a:spcBef>
+                <a:spcPct val="0"/>
+              </a:spcBef>
+            </a:pPr>
+            <a:endParaRPr lang="en-US" sz="3140" b="1" dirty="0">
+              <a:solidFill>
+                <a:srgbClr val="074559"/>
+              </a:solidFill>
+              <a:latin typeface="Clear Sans Bold"/>
+              <a:ea typeface="Clear Sans Bold"/>
+              <a:cs typeface="Clear Sans Bold"/>
+              <a:sym typeface="Clear Sans Bold"/>
+            </a:endParaRPr>
+          </a:p>
+          <a:p>
+            <a:pPr lvl="0">
+              <a:lnSpc>
+                <a:spcPts val="4396"/>
+              </a:lnSpc>
+              <a:spcBef>
+                <a:spcPct val="0"/>
+              </a:spcBef>
+            </a:pPr>
+            <a:r>
+              <a:rPr lang="en-US" sz="3140" b="1" dirty="0">
+                <a:solidFill>
+                  <a:srgbClr val="074559"/>
+                </a:solidFill>
+                <a:latin typeface="Clear Sans"/>
+                <a:ea typeface="Clear Sans"/>
+                <a:cs typeface="Clear Sans"/>
+                <a:sym typeface="Clear Sans"/>
+              </a:rPr>
+              <a:t>Customer loss </a:t>
+            </a:r>
+            <a:r>
+              <a:rPr lang="en-US" sz="3140" dirty="0">
+                <a:solidFill>
+                  <a:srgbClr val="074559"/>
+                </a:solidFill>
+                <a:latin typeface="Clear Sans"/>
+                <a:ea typeface="Clear Sans"/>
+                <a:cs typeface="Clear Sans"/>
+                <a:sym typeface="Clear Sans"/>
+              </a:rPr>
+              <a:t>was </a:t>
+            </a:r>
+            <a:r>
+              <a:rPr lang="en-US" sz="3140" b="1" dirty="0">
+                <a:solidFill>
+                  <a:srgbClr val="074559"/>
+                </a:solidFill>
+                <a:latin typeface="Clear Sans Bold"/>
+                <a:ea typeface="Clear Sans Bold"/>
+                <a:cs typeface="Clear Sans Bold"/>
+                <a:sym typeface="Clear Sans Bold"/>
+              </a:rPr>
+              <a:t>negligible</a:t>
+            </a:r>
+            <a:r>
+              <a:rPr lang="en-US" sz="3140" dirty="0">
+                <a:solidFill>
+                  <a:srgbClr val="074559"/>
+                </a:solidFill>
+                <a:latin typeface="Clear Sans"/>
+                <a:ea typeface="Clear Sans"/>
+                <a:cs typeface="Clear Sans"/>
+                <a:sym typeface="Clear Sans"/>
+              </a:rPr>
+              <a:t> during the COVID period</a:t>
+            </a:r>
+          </a:p>
+          <a:p>
+            <a:pPr lvl="0">
+              <a:lnSpc>
+                <a:spcPts val="4396"/>
+              </a:lnSpc>
+              <a:spcBef>
+                <a:spcPct val="0"/>
+              </a:spcBef>
+            </a:pPr>
+            <a:endParaRPr lang="en-US" sz="3140" dirty="0">
+              <a:solidFill>
+                <a:srgbClr val="074559"/>
+              </a:solidFill>
+              <a:latin typeface="Clear Sans"/>
+              <a:ea typeface="Clear Sans"/>
+              <a:cs typeface="Clear Sans"/>
+              <a:sym typeface="Clear Sans"/>
+            </a:endParaRPr>
+          </a:p>
           <a:p>
             <a:pPr marL="0" lvl="0" indent="0" algn="l">
               <a:lnSpc>
@@ -6970,18 +6603,6 @@
               </a:spcBef>
             </a:pPr>
             <a:r>
-              <a:rPr lang="en-US" sz="3140" dirty="0">
-                <a:solidFill>
-                  <a:srgbClr val="074559"/>
-                </a:solidFill>
-                <a:latin typeface="Clear Sans"/>
-                <a:ea typeface="Clear Sans"/>
-                <a:cs typeface="Clear Sans"/>
-                <a:sym typeface="Clear Sans"/>
-              </a:rPr>
-              <a:t>Customer distribution shows </a:t>
-            </a:r>
-            <a:r>
               <a:rPr lang="en-US" sz="3140" b="1" dirty="0">
                 <a:solidFill>
                   <a:srgbClr val="074559"/>
@@ -6991,43 +6612,7 @@
                 <a:cs typeface="Clear Sans Bold"/>
                 <a:sym typeface="Clear Sans Bold"/>
               </a:rPr>
-              <a:t>balanced performance</a:t>
-            </a:r>
-            <a:r>
-              <a:rPr lang="en-US" sz="3140" dirty="0">
-                <a:solidFill>
-                  <a:srgbClr val="074559"/>
-                </a:solidFill>
-                <a:latin typeface="Clear Sans"/>
-                <a:ea typeface="Clear Sans"/>
-                <a:cs typeface="Clear Sans"/>
-                <a:sym typeface="Clear Sans"/>
-              </a:rPr>
-              <a:t>, with the majority </a:t>
-            </a:r>
-            <a:r>
-              <a:rPr lang="en-US" sz="3140" b="1" dirty="0">
-                <a:solidFill>
-                  <a:srgbClr val="074559"/>
-                </a:solidFill>
-                <a:latin typeface="Clear Sans Bold"/>
-                <a:ea typeface="Clear Sans Bold"/>
-                <a:cs typeface="Clear Sans Bold"/>
-                <a:sym typeface="Clear Sans Bold"/>
-              </a:rPr>
-              <a:t>growing or moderately growing</a:t>
-            </a:r>
-            <a:r>
-              <a:rPr lang="en-US" sz="3140" dirty="0">
-                <a:solidFill>
-                  <a:srgbClr val="074559"/>
-                </a:solidFill>
-                <a:latin typeface="Clear Sans"/>
-                <a:ea typeface="Clear Sans"/>
-                <a:cs typeface="Clear Sans"/>
-                <a:sym typeface="Clear Sans"/>
-              </a:rPr>
-              <a:t>, and a smaller share declining.</a:t>
+              <a:t>Implication</a:t>
             </a:r>
           </a:p>
           <a:p>
@@ -7040,6 +6625,18 @@
               </a:spcBef>
             </a:pPr>
             <a:r>
+              <a:rPr lang="en-US" sz="3140" dirty="0">
+                <a:solidFill>
+                  <a:srgbClr val="074559"/>
+                </a:solidFill>
+                <a:latin typeface="Clear Sans"/>
+                <a:ea typeface="Clear Sans"/>
+                <a:cs typeface="Clear Sans"/>
+                <a:sym typeface="Clear Sans"/>
+              </a:rPr>
+              <a:t> COVID </a:t>
+            </a:r>
+            <a:r>
               <a:rPr lang="en-US" sz="3140" b="1" dirty="0">
                 <a:solidFill>
                   <a:srgbClr val="074559"/>
@@ -7049,20 +6646,8 @@
                 <a:cs typeface="Clear Sans Bold"/>
                 <a:sym typeface="Clear Sans Bold"/>
               </a:rPr>
-              <a:t>Evidence</a:t>
-            </a:r>
-          </a:p>
-          <a:p>
-            <a:pPr marL="678059" lvl="1" indent="-339030" algn="l">
-              <a:lnSpc>
-                <a:spcPts val="4396"/>
-              </a:lnSpc>
-              <a:spcBef>
-                <a:spcPct val="0"/>
-              </a:spcBef>
-              <a:buFont typeface="Arial"/>
-              <a:buChar char="•"/>
-            </a:pPr>
+              <a:t>expanded engagement</a:t>
+            </a:r>
             <a:r>
               <a:rPr lang="en-US" sz="3140" dirty="0">
                 <a:solidFill>
@@ -7073,99 +6658,7 @@
                 <a:cs typeface="Clear Sans"/>
                 <a:sym typeface="Clear Sans"/>
               </a:rPr>
-              <a:t>High-growth customers: outsized gains (&gt; network)</a:t>
-            </a:r>
-          </a:p>
-          <a:p>
-            <a:pPr marL="678059" lvl="1" indent="-339030" algn="l">
-              <a:lnSpc>
-                <a:spcPts val="4396"/>
-              </a:lnSpc>
-              <a:spcBef>
-                <a:spcPct val="0"/>
-              </a:spcBef>
-              <a:buFont typeface="Arial"/>
-              <a:buChar char="•"/>
-            </a:pPr>
-            <a:r>
-              <a:rPr lang="en-US" sz="3140" dirty="0">
-                <a:solidFill>
-                  <a:srgbClr val="074559"/>
-                </a:solidFill>
-                <a:latin typeface="Clear Sans"/>
-                <a:ea typeface="Clear Sans"/>
-                <a:cs typeface="Clear Sans"/>
-                <a:sym typeface="Clear Sans"/>
-              </a:rPr>
-              <a:t>Moderate growth: align with network growth</a:t>
-            </a:r>
-          </a:p>
-          <a:p>
-            <a:pPr marL="678059" lvl="1" indent="-339030" algn="l">
-              <a:lnSpc>
-                <a:spcPts val="4396"/>
-              </a:lnSpc>
-              <a:spcBef>
-                <a:spcPct val="0"/>
-              </a:spcBef>
-              <a:buFont typeface="Arial"/>
-              <a:buChar char="•"/>
-            </a:pPr>
-            <a:r>
-              <a:rPr lang="en-US" sz="3140" dirty="0">
-                <a:solidFill>
-                  <a:srgbClr val="074559"/>
-                </a:solidFill>
-                <a:latin typeface="Clear Sans"/>
-                <a:ea typeface="Clear Sans"/>
-                <a:cs typeface="Clear Sans"/>
-                <a:sym typeface="Clear Sans"/>
-              </a:rPr>
-              <a:t>Declining: small minority with lower 2020 volume</a:t>
-            </a:r>
-          </a:p>
-          <a:p>
-            <a:pPr marL="0" lvl="0" indent="0" algn="l">
-              <a:lnSpc>
-                <a:spcPts val="4396"/>
-              </a:lnSpc>
-              <a:spcBef>
-                <a:spcPct val="0"/>
-              </a:spcBef>
-            </a:pPr>
-            <a:r>
-              <a:rPr lang="en-US" sz="3140" b="1" dirty="0">
-                <a:solidFill>
-                  <a:srgbClr val="074559"/>
-                </a:solidFill>
-                <a:latin typeface="Clear Sans Bold"/>
-                <a:ea typeface="Clear Sans Bold"/>
-                <a:cs typeface="Clear Sans Bold"/>
-                <a:sym typeface="Clear Sans Bold"/>
-              </a:rPr>
-              <a:t>Implication</a:t>
-            </a:r>
-          </a:p>
-          <a:p>
-            <a:pPr marL="0" lvl="0" indent="0" algn="l">
-              <a:lnSpc>
-                <a:spcPts val="4396"/>
-              </a:lnSpc>
-              <a:spcBef>
-                <a:spcPct val="0"/>
-              </a:spcBef>
-            </a:pPr>
-            <a:r>
-              <a:rPr lang="en-US" sz="3140" dirty="0">
-                <a:solidFill>
-                  <a:srgbClr val="074559"/>
-                </a:solidFill>
-                <a:latin typeface="Clear Sans"/>
-                <a:ea typeface="Clear Sans"/>
-                <a:cs typeface="Clear Sans"/>
-                <a:sym typeface="Clear Sans"/>
-              </a:rPr>
-              <a:t> Customer performance is uneven and requires targeted playbooks.</a:t>
+              <a:t>.</a:t>
             </a:r>
           </a:p>
           <a:p>
@@ -7194,7 +6687,7 @@
           <p:cNvPr id="5" name="Slide Number Placeholder 4">
             <a:extLst>
               <a:ext uri="{FF2B5EF4-FFF2-40B4-BE49-F238E27FC236}">
-                <a16:creationId xmlns:a16="http://schemas.microsoft.com/office/drawing/2014/main" id="{2617A2DA-AB9E-5E0D-64E5-0BB656B9E2D0}"/>
+                <a16:creationId xmlns:a16="http://schemas.microsoft.com/office/drawing/2014/main" id="{0051C385-F2FB-8497-B9AE-8BEEB36366D9}"/>
               </a:ext>
             </a:extLst>
           </p:cNvPr>
@@ -7205,7 +6698,12 @@
             <p:ph type="sldNum" sz="quarter" idx="12"/>
           </p:nvPr>
         </p:nvSpPr>
-        <p:spPr/>
+        <p:spPr>
+          <a:xfrm>
+            <a:off x="15316002" y="9583295"/>
+            <a:ext cx="2133600" cy="365125"/>
+          </a:xfrm>
+        </p:spPr>
         <p:txBody>
           <a:bodyPr/>
           <a:lstStyle/>
@@ -7221,10 +6719,10 @@
       </p:sp>
       <p:pic>
         <p:nvPicPr>
-          <p:cNvPr id="6" name="Picture 5" descr="A graph of different colored bars&#10;&#10;AI-generated content may be incorrect.">
+          <p:cNvPr id="12" name="Picture 11" descr="A graph of customers lost during covid&#10;&#10;AI-generated content may be incorrect.">
             <a:extLst>
               <a:ext uri="{FF2B5EF4-FFF2-40B4-BE49-F238E27FC236}">
-                <a16:creationId xmlns:a16="http://schemas.microsoft.com/office/drawing/2014/main" id="{57DEA6C0-0B40-C1F3-83B0-F147541B9353}"/>
+                <a16:creationId xmlns:a16="http://schemas.microsoft.com/office/drawing/2014/main" id="{25149F72-1618-C890-E29D-384A373EF18B}"/>
               </a:ext>
             </a:extLst>
           </p:cNvPr>
@@ -7241,8 +6739,8 @@
         </p:blipFill>
         <p:spPr>
           <a:xfrm>
-            <a:off x="8305800" y="2095500"/>
-            <a:ext cx="9719094" cy="6045662"/>
+            <a:off x="5867400" y="1692292"/>
+            <a:ext cx="11931979" cy="8256128"/>
           </a:xfrm>
           <a:prstGeom prst="rect">
             <a:avLst/>
@@ -7301,7 +6799,7 @@
               </a:lnSpc>
             </a:pPr>
             <a:r>
-              <a:rPr lang="en-US" sz="5400" spc="-108">
+              <a:rPr lang="en-US" sz="5400" spc="-108" dirty="0">
                 <a:solidFill>
                   <a:srgbClr val="4A90E2"/>
                 </a:solidFill>
@@ -7310,197 +6808,8 @@
                 <a:cs typeface="Tenor Sans"/>
                 <a:sym typeface="Tenor Sans"/>
               </a:rPr>
-              <a:t>% New Customers During COVID</a:t>
-            </a:r>
-          </a:p>
-        </p:txBody>
-      </p:sp>
-      <p:sp>
-        <p:nvSpPr>
-          <p:cNvPr id="4" name="TextBox 4"/>
-          <p:cNvSpPr txBox="1"/>
-          <p:nvPr/>
-        </p:nvSpPr>
-        <p:spPr>
-          <a:xfrm>
-            <a:off x="2286000" y="3314700"/>
-            <a:ext cx="13716000" cy="4471224"/>
-          </a:xfrm>
-          <a:prstGeom prst="rect">
-            <a:avLst/>
-          </a:prstGeom>
-        </p:spPr>
-        <p:txBody>
-          <a:bodyPr wrap="square" lIns="0" tIns="0" rIns="0" bIns="0" rtlCol="0" anchor="t">
-            <a:spAutoFit/>
-          </a:bodyPr>
-          <a:lstStyle/>
-          <a:p>
-            <a:pPr marL="0" lvl="0" indent="0" algn="l">
-              <a:lnSpc>
-                <a:spcPts val="4396"/>
-              </a:lnSpc>
-              <a:spcBef>
-                <a:spcPct val="0"/>
-              </a:spcBef>
-            </a:pPr>
-            <a:r>
-              <a:rPr lang="en-US" sz="3140" b="1" dirty="0">
-                <a:solidFill>
-                  <a:srgbClr val="074559"/>
-                </a:solidFill>
-                <a:latin typeface="Clear Sans Bold"/>
-                <a:ea typeface="Clear Sans Bold"/>
-                <a:cs typeface="Clear Sans Bold"/>
-                <a:sym typeface="Clear Sans Bold"/>
-              </a:rPr>
-              <a:t>0% of customers were new</a:t>
-            </a:r>
-            <a:r>
-              <a:rPr lang="en-US" sz="3140" dirty="0">
-                <a:solidFill>
-                  <a:srgbClr val="074559"/>
-                </a:solidFill>
-                <a:latin typeface="Clear Sans"/>
-                <a:ea typeface="Clear Sans"/>
-                <a:cs typeface="Clear Sans"/>
-                <a:sym typeface="Clear Sans"/>
-              </a:rPr>
-              <a:t> during the COVID period by the observation-period definition used.</a:t>
-            </a:r>
-          </a:p>
-          <a:p>
-            <a:pPr marL="0" lvl="0" indent="0" algn="l">
-              <a:lnSpc>
-                <a:spcPts val="4396"/>
-              </a:lnSpc>
-              <a:spcBef>
-                <a:spcPct val="0"/>
-              </a:spcBef>
-            </a:pPr>
-            <a:r>
-              <a:rPr lang="en-US" sz="3140" b="1" dirty="0">
-                <a:solidFill>
-                  <a:srgbClr val="074559"/>
-                </a:solidFill>
-                <a:latin typeface="Clear Sans Bold"/>
-                <a:ea typeface="Clear Sans Bold"/>
-                <a:cs typeface="Clear Sans Bold"/>
-                <a:sym typeface="Clear Sans Bold"/>
-              </a:rPr>
-              <a:t>Evidence</a:t>
-            </a:r>
-          </a:p>
-          <a:p>
-            <a:pPr marL="678059" lvl="1" indent="-339030" algn="l">
-              <a:lnSpc>
-                <a:spcPts val="4396"/>
-              </a:lnSpc>
-              <a:spcBef>
-                <a:spcPct val="0"/>
-              </a:spcBef>
-              <a:buFont typeface="Arial"/>
-              <a:buChar char="•"/>
-            </a:pPr>
-            <a:r>
-              <a:rPr lang="en-US" sz="3140" dirty="0">
-                <a:solidFill>
-                  <a:srgbClr val="074559"/>
-                </a:solidFill>
-                <a:latin typeface="Clear Sans"/>
-                <a:ea typeface="Clear Sans"/>
-                <a:cs typeface="Clear Sans"/>
-                <a:sym typeface="Clear Sans"/>
-              </a:rPr>
-              <a:t>No customer shipped in 2020 without activity in 2019 (Weeks 11–53 vs Weeks 11–53)</a:t>
-            </a:r>
-          </a:p>
-          <a:p>
-            <a:pPr marL="0" lvl="0" indent="0" algn="l">
-              <a:lnSpc>
-                <a:spcPts val="4396"/>
-              </a:lnSpc>
-              <a:spcBef>
-                <a:spcPct val="0"/>
-              </a:spcBef>
-            </a:pPr>
-            <a:r>
-              <a:rPr lang="en-US" sz="3140" b="1" dirty="0">
-                <a:solidFill>
-                  <a:srgbClr val="074559"/>
-                </a:solidFill>
-                <a:latin typeface="Clear Sans Bold"/>
-                <a:ea typeface="Clear Sans Bold"/>
-                <a:cs typeface="Clear Sans Bold"/>
-                <a:sym typeface="Clear Sans Bold"/>
-              </a:rPr>
-              <a:t>Implication</a:t>
-            </a:r>
-          </a:p>
-          <a:p>
-            <a:pPr marL="0" lvl="0" indent="0" algn="l">
-              <a:lnSpc>
-                <a:spcPts val="4396"/>
-              </a:lnSpc>
-              <a:spcBef>
-                <a:spcPct val="0"/>
-              </a:spcBef>
-            </a:pPr>
-            <a:r>
-              <a:rPr lang="en-US" sz="3140" dirty="0">
-                <a:solidFill>
-                  <a:srgbClr val="074559"/>
-                </a:solidFill>
-                <a:latin typeface="Clear Sans"/>
-                <a:ea typeface="Clear Sans"/>
-                <a:cs typeface="Clear Sans"/>
-                <a:sym typeface="Clear Sans"/>
-              </a:rPr>
-              <a:t> Growth came from </a:t>
-            </a:r>
-            <a:r>
-              <a:rPr lang="en-US" sz="3140" b="1" dirty="0">
-                <a:solidFill>
-                  <a:srgbClr val="074559"/>
-                </a:solidFill>
-                <a:latin typeface="Clear Sans Bold"/>
-                <a:ea typeface="Clear Sans Bold"/>
-                <a:cs typeface="Clear Sans Bold"/>
-                <a:sym typeface="Clear Sans Bold"/>
-              </a:rPr>
-              <a:t>existing accounts</a:t>
-            </a:r>
-            <a:r>
-              <a:rPr lang="en-US" sz="3140" dirty="0">
-                <a:solidFill>
-                  <a:srgbClr val="074559"/>
-                </a:solidFill>
-                <a:latin typeface="Clear Sans"/>
-                <a:ea typeface="Clear Sans"/>
-                <a:cs typeface="Clear Sans"/>
-                <a:sym typeface="Clear Sans"/>
-              </a:rPr>
-              <a:t>, not acquisition.</a:t>
-            </a:r>
-          </a:p>
-          <a:p>
-            <a:pPr marL="0" lvl="0" indent="0" algn="ctr">
-              <a:lnSpc>
-                <a:spcPts val="4396"/>
-              </a:lnSpc>
-              <a:spcBef>
-                <a:spcPct val="0"/>
-              </a:spcBef>
-            </a:pPr>
-            <a:endParaRPr lang="en-US" sz="3140" dirty="0">
-              <a:solidFill>
-                <a:srgbClr val="074559"/>
-              </a:solidFill>
-              <a:latin typeface="Clear Sans"/>
-              <a:ea typeface="Clear Sans"/>
-              <a:cs typeface="Clear Sans"/>
-              <a:sym typeface="Clear Sans"/>
-            </a:endParaRPr>
+              <a:t>Impact on Volumes and Revenue by Group</a:t>
+            </a:r>
           </a:p>
         </p:txBody>
       </p:sp>
@@ -7509,7 +6818,7 @@
           <p:cNvPr id="5" name="Slide Number Placeholder 4">
             <a:extLst>
               <a:ext uri="{FF2B5EF4-FFF2-40B4-BE49-F238E27FC236}">
-                <a16:creationId xmlns:a16="http://schemas.microsoft.com/office/drawing/2014/main" id="{22D31AA6-8016-3E14-E660-657598F5BE5D}"/>
+                <a16:creationId xmlns:a16="http://schemas.microsoft.com/office/drawing/2014/main" id="{9542D747-1086-FB8B-9EC6-52293A3F16C9}"/>
               </a:ext>
             </a:extLst>
           </p:cNvPr>
@@ -7520,7 +6829,12 @@
             <p:ph type="sldNum" sz="quarter" idx="12"/>
           </p:nvPr>
         </p:nvSpPr>
-        <p:spPr/>
+        <p:spPr>
+          <a:xfrm>
+            <a:off x="15316002" y="9435533"/>
+            <a:ext cx="2133600" cy="365125"/>
+          </a:xfrm>
+        </p:spPr>
         <p:txBody>
           <a:bodyPr/>
           <a:lstStyle/>
@@ -7530,313 +6844,16 @@
               <a:pPr/>
               <a:t>8</a:t>
             </a:fld>
-            <a:endParaRPr lang="en-US"/>
-          </a:p>
-        </p:txBody>
-      </p:sp>
-    </p:spTree>
-  </p:cSld>
-  <p:clrMapOvr>
-    <a:masterClrMapping/>
-  </p:clrMapOvr>
-</p:sld>
-</file>
-
-<file path=ppt/slides/slide9.xml><?xml version="1.0" encoding="utf-8"?>
-<p:sld xmlns:a="http://schemas.openxmlformats.org/drawingml/2006/main" xmlns:r="http://schemas.openxmlformats.org/officeDocument/2006/relationships" xmlns:p="http://schemas.openxmlformats.org/presentationml/2006/main">
-  <p:cSld>
-    <p:spTree>
-      <p:nvGrpSpPr>
-        <p:cNvPr id="1" name=""/>
-        <p:cNvGrpSpPr/>
-        <p:nvPr/>
-      </p:nvGrpSpPr>
-      <p:grpSpPr>
-        <a:xfrm>
-          <a:off x="0" y="0"/>
-          <a:ext cx="0" cy="0"/>
-          <a:chOff x="0" y="0"/>
-          <a:chExt cx="0" cy="0"/>
-        </a:xfrm>
-      </p:grpSpPr>
-      <p:sp>
-        <p:nvSpPr>
-          <p:cNvPr id="3" name="TextBox 3"/>
-          <p:cNvSpPr txBox="1"/>
-          <p:nvPr/>
-        </p:nvSpPr>
-        <p:spPr>
-          <a:xfrm>
-            <a:off x="359133" y="1019175"/>
-            <a:ext cx="17090469" cy="828675"/>
-          </a:xfrm>
-          <a:prstGeom prst="rect">
-            <a:avLst/>
-          </a:prstGeom>
-        </p:spPr>
-        <p:txBody>
-          <a:bodyPr lIns="0" tIns="0" rIns="0" bIns="0" rtlCol="0" anchor="t">
-            <a:spAutoFit/>
-          </a:bodyPr>
-          <a:lstStyle/>
-          <a:p>
-            <a:pPr marL="0" lvl="0" indent="0" algn="ctr">
-              <a:lnSpc>
-                <a:spcPts val="6480"/>
-              </a:lnSpc>
-            </a:pPr>
-            <a:r>
-              <a:rPr lang="en-US" sz="5400" spc="-108">
-                <a:solidFill>
-                  <a:srgbClr val="4A90E2"/>
-                </a:solidFill>
-                <a:latin typeface="Tenor Sans"/>
-                <a:ea typeface="Tenor Sans"/>
-                <a:cs typeface="Tenor Sans"/>
-                <a:sym typeface="Tenor Sans"/>
-              </a:rPr>
-              <a:t>% Lost Customers During COVID</a:t>
-            </a:r>
-          </a:p>
-        </p:txBody>
-      </p:sp>
-      <p:sp>
-        <p:nvSpPr>
-          <p:cNvPr id="4" name="TextBox 4"/>
-          <p:cNvSpPr txBox="1"/>
-          <p:nvPr/>
-        </p:nvSpPr>
-        <p:spPr>
-          <a:xfrm>
-            <a:off x="196493" y="2742818"/>
-            <a:ext cx="5899507" cy="6163995"/>
-          </a:xfrm>
-          <a:prstGeom prst="rect">
-            <a:avLst/>
-          </a:prstGeom>
-        </p:spPr>
-        <p:txBody>
-          <a:bodyPr wrap="square" lIns="0" tIns="0" rIns="0" bIns="0" rtlCol="0" anchor="t">
-            <a:spAutoFit/>
-          </a:bodyPr>
-          <a:lstStyle/>
-          <a:p>
-            <a:pPr marL="0" lvl="0" indent="0" algn="l">
-              <a:lnSpc>
-                <a:spcPts val="4396"/>
-              </a:lnSpc>
-              <a:spcBef>
-                <a:spcPct val="0"/>
-              </a:spcBef>
-            </a:pPr>
-            <a:r>
-              <a:rPr lang="en-US" sz="3140" dirty="0">
-                <a:solidFill>
-                  <a:srgbClr val="074559"/>
-                </a:solidFill>
-                <a:latin typeface="Clear Sans"/>
-                <a:ea typeface="Clear Sans"/>
-                <a:cs typeface="Clear Sans"/>
-                <a:sym typeface="Clear Sans"/>
-              </a:rPr>
-              <a:t>Customer loss was </a:t>
-            </a:r>
-            <a:r>
-              <a:rPr lang="en-US" sz="3140" b="1" dirty="0">
-                <a:solidFill>
-                  <a:srgbClr val="074559"/>
-                </a:solidFill>
-                <a:latin typeface="Clear Sans Bold"/>
-                <a:ea typeface="Clear Sans Bold"/>
-                <a:cs typeface="Clear Sans Bold"/>
-                <a:sym typeface="Clear Sans Bold"/>
-              </a:rPr>
-              <a:t>negligible</a:t>
-            </a:r>
-            <a:r>
-              <a:rPr lang="en-US" sz="3140" dirty="0">
-                <a:solidFill>
-                  <a:srgbClr val="074559"/>
-                </a:solidFill>
-                <a:latin typeface="Clear Sans"/>
-                <a:ea typeface="Clear Sans"/>
-                <a:cs typeface="Clear Sans"/>
-                <a:sym typeface="Clear Sans"/>
-              </a:rPr>
-              <a:t> during the COVID period under the same definition.</a:t>
-            </a:r>
-          </a:p>
-          <a:p>
-            <a:pPr marL="0" lvl="0" indent="0" algn="l">
-              <a:lnSpc>
-                <a:spcPts val="4396"/>
-              </a:lnSpc>
-              <a:spcBef>
-                <a:spcPct val="0"/>
-              </a:spcBef>
-            </a:pPr>
-            <a:r>
-              <a:rPr lang="en-US" sz="3140" b="1" dirty="0">
-                <a:solidFill>
-                  <a:srgbClr val="074559"/>
-                </a:solidFill>
-                <a:latin typeface="Clear Sans Bold"/>
-                <a:ea typeface="Clear Sans Bold"/>
-                <a:cs typeface="Clear Sans Bold"/>
-                <a:sym typeface="Clear Sans Bold"/>
-              </a:rPr>
-              <a:t>Evidence</a:t>
-            </a:r>
-          </a:p>
-          <a:p>
-            <a:pPr marL="678059" lvl="1" indent="-339030" algn="l">
-              <a:lnSpc>
-                <a:spcPts val="4396"/>
-              </a:lnSpc>
-              <a:spcBef>
-                <a:spcPct val="0"/>
-              </a:spcBef>
-              <a:buFont typeface="Arial"/>
-              <a:buChar char="•"/>
-            </a:pPr>
-            <a:r>
-              <a:rPr lang="en-US" sz="3140" dirty="0">
-                <a:solidFill>
-                  <a:srgbClr val="074559"/>
-                </a:solidFill>
-                <a:latin typeface="Clear Sans"/>
-                <a:ea typeface="Clear Sans"/>
-                <a:cs typeface="Clear Sans"/>
-                <a:sym typeface="Clear Sans"/>
-              </a:rPr>
-              <a:t>Virtually all customers active in 2019 also shipped in 2020</a:t>
-            </a:r>
-          </a:p>
-          <a:p>
-            <a:pPr marL="0" lvl="0" indent="0" algn="l">
-              <a:lnSpc>
-                <a:spcPts val="4396"/>
-              </a:lnSpc>
-              <a:spcBef>
-                <a:spcPct val="0"/>
-              </a:spcBef>
-            </a:pPr>
-            <a:r>
-              <a:rPr lang="en-US" sz="3140" b="1" dirty="0">
-                <a:solidFill>
-                  <a:srgbClr val="074559"/>
-                </a:solidFill>
-                <a:latin typeface="Clear Sans Bold"/>
-                <a:ea typeface="Clear Sans Bold"/>
-                <a:cs typeface="Clear Sans Bold"/>
-                <a:sym typeface="Clear Sans Bold"/>
-              </a:rPr>
-              <a:t>Implication</a:t>
-            </a:r>
-          </a:p>
-          <a:p>
-            <a:pPr marL="0" lvl="0" indent="0" algn="l">
-              <a:lnSpc>
-                <a:spcPts val="4396"/>
-              </a:lnSpc>
-              <a:spcBef>
-                <a:spcPct val="0"/>
-              </a:spcBef>
-            </a:pPr>
-            <a:r>
-              <a:rPr lang="en-US" sz="3140" dirty="0">
-                <a:solidFill>
-                  <a:srgbClr val="074559"/>
-                </a:solidFill>
-                <a:latin typeface="Clear Sans"/>
-                <a:ea typeface="Clear Sans"/>
-                <a:cs typeface="Clear Sans"/>
-                <a:sym typeface="Clear Sans"/>
-              </a:rPr>
-              <a:t> COVID </a:t>
-            </a:r>
-            <a:r>
-              <a:rPr lang="en-US" sz="3140" b="1" dirty="0">
-                <a:solidFill>
-                  <a:srgbClr val="074559"/>
-                </a:solidFill>
-                <a:latin typeface="Clear Sans Bold"/>
-                <a:ea typeface="Clear Sans Bold"/>
-                <a:cs typeface="Clear Sans Bold"/>
-                <a:sym typeface="Clear Sans Bold"/>
-              </a:rPr>
-              <a:t>expanded engagement </a:t>
-            </a:r>
-            <a:r>
-              <a:rPr lang="en-US" sz="3140" dirty="0">
-                <a:solidFill>
-                  <a:srgbClr val="074559"/>
-                </a:solidFill>
-                <a:latin typeface="Clear Sans"/>
-                <a:ea typeface="Clear Sans"/>
-                <a:cs typeface="Clear Sans"/>
-                <a:sym typeface="Clear Sans"/>
-              </a:rPr>
-              <a:t>rather than suppressing activity.</a:t>
-            </a:r>
-          </a:p>
-          <a:p>
-            <a:pPr marL="0" lvl="0" indent="0" algn="ctr">
-              <a:lnSpc>
-                <a:spcPts val="4396"/>
-              </a:lnSpc>
-              <a:spcBef>
-                <a:spcPct val="0"/>
-              </a:spcBef>
-            </a:pPr>
-            <a:endParaRPr lang="en-US" sz="3140" dirty="0">
-              <a:solidFill>
-                <a:srgbClr val="074559"/>
-              </a:solidFill>
-              <a:latin typeface="Clear Sans"/>
-              <a:ea typeface="Clear Sans"/>
-              <a:cs typeface="Clear Sans"/>
-              <a:sym typeface="Clear Sans"/>
-            </a:endParaRPr>
-          </a:p>
-        </p:txBody>
-      </p:sp>
-      <p:sp>
-        <p:nvSpPr>
-          <p:cNvPr id="5" name="Slide Number Placeholder 4">
+            <a:endParaRPr lang="en-US" dirty="0"/>
+          </a:p>
+        </p:txBody>
+      </p:sp>
+      <p:pic>
+        <p:nvPicPr>
+          <p:cNvPr id="7" name="Picture 6" descr="A graph of a graph of a graph of a graph of a graph of a graph of a graph of a graph of a graph of a graph of a graph of a graph of a graph of&#10;&#10;AI-generated content may be incorrect.">
             <a:extLst>
               <a:ext uri="{FF2B5EF4-FFF2-40B4-BE49-F238E27FC236}">
-                <a16:creationId xmlns:a16="http://schemas.microsoft.com/office/drawing/2014/main" id="{0051C385-F2FB-8497-B9AE-8BEEB36366D9}"/>
-              </a:ext>
-            </a:extLst>
-          </p:cNvPr>
-          <p:cNvSpPr>
-            <a:spLocks noGrp="1"/>
-          </p:cNvSpPr>
-          <p:nvPr>
-            <p:ph type="sldNum" sz="quarter" idx="12"/>
-          </p:nvPr>
-        </p:nvSpPr>
-        <p:spPr/>
-        <p:txBody>
-          <a:bodyPr/>
-          <a:lstStyle/>
-          <a:p>
-            <a:fld id="{B6F15528-21DE-4FAA-801E-634DDDAF4B2B}" type="slidenum">
-              <a:rPr lang="en-US" smtClean="0"/>
-              <a:pPr/>
-              <a:t>9</a:t>
-            </a:fld>
-            <a:endParaRPr lang="en-US"/>
-          </a:p>
-        </p:txBody>
-      </p:sp>
-      <p:pic>
-        <p:nvPicPr>
-          <p:cNvPr id="6" name="Picture 5" descr="A graph of a number of people&#10;&#10;AI-generated content may be incorrect.">
-            <a:extLst>
-              <a:ext uri="{FF2B5EF4-FFF2-40B4-BE49-F238E27FC236}">
-                <a16:creationId xmlns:a16="http://schemas.microsoft.com/office/drawing/2014/main" id="{A0F623B7-0552-DB90-4189-2188DA5E6393}"/>
+                <a16:creationId xmlns:a16="http://schemas.microsoft.com/office/drawing/2014/main" id="{53E24F9B-A773-57D1-73AD-7268DA6C2F5C}"/>
               </a:ext>
             </a:extLst>
           </p:cNvPr>
@@ -7853,15 +6870,314 @@
         </p:blipFill>
         <p:spPr>
           <a:xfrm>
-            <a:off x="6096000" y="2075003"/>
-            <a:ext cx="11982256" cy="6831810"/>
+            <a:off x="651374" y="2095500"/>
+            <a:ext cx="16798228" cy="5638800"/>
           </a:xfrm>
           <a:prstGeom prst="rect">
             <a:avLst/>
           </a:prstGeom>
         </p:spPr>
       </p:pic>
+      <p:sp>
+        <p:nvSpPr>
+          <p:cNvPr id="11" name="Rectangle 3">
+            <a:extLst>
+              <a:ext uri="{FF2B5EF4-FFF2-40B4-BE49-F238E27FC236}">
+                <a16:creationId xmlns:a16="http://schemas.microsoft.com/office/drawing/2014/main" id="{8EBA4905-18F5-ACBB-F20C-195CB87CE562}"/>
+              </a:ext>
+            </a:extLst>
+          </p:cNvPr>
+          <p:cNvSpPr>
+            <a:spLocks noChangeArrowheads="1"/>
+          </p:cNvSpPr>
+          <p:nvPr/>
+        </p:nvSpPr>
+        <p:spPr bwMode="auto">
+          <a:xfrm>
+            <a:off x="838200" y="8169418"/>
+            <a:ext cx="15375604" cy="830997"/>
+          </a:xfrm>
+          <a:prstGeom prst="rect">
+            <a:avLst/>
+          </a:prstGeom>
+          <a:noFill/>
+          <a:ln>
+            <a:noFill/>
+          </a:ln>
+          <a:effectLst/>
+          <a:extLst>
+            <a:ext uri="{909E8E84-426E-40DD-AFC4-6F175D3DCCD1}">
+              <a14:hiddenFill xmlns:a14="http://schemas.microsoft.com/office/drawing/2010/main">
+                <a:solidFill>
+                  <a:schemeClr val="accent1"/>
+                </a:solidFill>
+              </a14:hiddenFill>
+            </a:ext>
+            <a:ext uri="{91240B29-F687-4F45-9708-019B960494DF}">
+              <a14:hiddenLine xmlns:a14="http://schemas.microsoft.com/office/drawing/2010/main" w="9525">
+                <a:solidFill>
+                  <a:schemeClr val="tx1"/>
+                </a:solidFill>
+                <a:miter lim="800000"/>
+                <a:headEnd/>
+                <a:tailEnd/>
+              </a14:hiddenLine>
+            </a:ext>
+            <a:ext uri="{AF507438-7753-43E0-B8FC-AC1667EBCBE1}">
+              <a14:hiddenEffects xmlns:a14="http://schemas.microsoft.com/office/drawing/2010/main">
+                <a:effectLst>
+                  <a:outerShdw dist="35921" dir="2700000" algn="ctr" rotWithShape="0">
+                    <a:schemeClr val="bg2"/>
+                  </a:outerShdw>
+                </a:effectLst>
+              </a14:hiddenEffects>
+            </a:ext>
+          </a:extLst>
+        </p:spPr>
+        <p:txBody>
+          <a:bodyPr vert="horz" wrap="square" lIns="91440" tIns="45720" rIns="91440" bIns="45720" numCol="1" anchor="ctr" anchorCtr="0" compatLnSpc="1">
+            <a:prstTxWarp prst="textNoShape">
+              <a:avLst/>
+            </a:prstTxWarp>
+            <a:spAutoFit/>
+          </a:bodyPr>
+          <a:lstStyle/>
+          <a:p>
+            <a:pPr marL="342900" marR="0" lvl="0" indent="-342900" algn="l" defTabSz="914400" rtl="0" eaLnBrk="0" fontAlgn="base" latinLnBrk="0" hangingPunct="0">
+              <a:lnSpc>
+                <a:spcPct val="100000"/>
+              </a:lnSpc>
+              <a:spcBef>
+                <a:spcPct val="0"/>
+              </a:spcBef>
+              <a:spcAft>
+                <a:spcPct val="0"/>
+              </a:spcAft>
+              <a:buClrTx/>
+              <a:buSzTx/>
+              <a:buFont typeface="Wingdings" panose="05000000000000000000" pitchFamily="2" charset="2"/>
+              <a:buChar char="Ø"/>
+              <a:tabLst/>
+            </a:pPr>
+            <a:r>
+              <a:rPr kumimoji="0" lang="en-US" altLang="en-US" sz="2400" i="0" u="none" strike="noStrike" cap="none" normalizeH="0" baseline="0" dirty="0">
+                <a:ln>
+                  <a:noFill/>
+                </a:ln>
+                <a:solidFill>
+                  <a:schemeClr val="tx1"/>
+                </a:solidFill>
+                <a:effectLst/>
+                <a:latin typeface="Arial" panose="020B0604020202020204" pitchFamily="34" charset="0"/>
+              </a:rPr>
+              <a:t>COVID-19 increased both parcel volume and revenue across every customer group.</a:t>
+            </a:r>
+          </a:p>
+          <a:p>
+            <a:pPr marL="342900" marR="0" lvl="0" indent="-342900" algn="l" defTabSz="914400" rtl="0" eaLnBrk="0" fontAlgn="base" latinLnBrk="0" hangingPunct="0">
+              <a:lnSpc>
+                <a:spcPct val="100000"/>
+              </a:lnSpc>
+              <a:spcBef>
+                <a:spcPct val="0"/>
+              </a:spcBef>
+              <a:spcAft>
+                <a:spcPct val="0"/>
+              </a:spcAft>
+              <a:buClrTx/>
+              <a:buSzTx/>
+              <a:buFont typeface="Wingdings" panose="05000000000000000000" pitchFamily="2" charset="2"/>
+              <a:buChar char="Ø"/>
+              <a:tabLst/>
+            </a:pPr>
+            <a:r>
+              <a:rPr kumimoji="0" lang="en-US" altLang="en-US" sz="2400" i="0" u="none" strike="noStrike" cap="none" normalizeH="0" baseline="0" dirty="0">
+                <a:ln>
+                  <a:noFill/>
+                </a:ln>
+                <a:solidFill>
+                  <a:schemeClr val="tx1"/>
+                </a:solidFill>
+                <a:effectLst/>
+                <a:latin typeface="Arial" panose="020B0604020202020204" pitchFamily="34" charset="0"/>
+              </a:rPr>
+              <a:t>Enterprise drove the largest total gains, while Small and Medium showed the highest growth rates</a:t>
+            </a:r>
+            <a:r>
+              <a:rPr kumimoji="0" lang="en-US" altLang="en-US" sz="1800" b="1" i="0" u="none" strike="noStrike" cap="none" normalizeH="0" baseline="0" dirty="0">
+                <a:ln>
+                  <a:noFill/>
+                </a:ln>
+                <a:solidFill>
+                  <a:schemeClr val="tx1"/>
+                </a:solidFill>
+                <a:effectLst/>
+                <a:latin typeface="Arial" panose="020B0604020202020204" pitchFamily="34" charset="0"/>
+              </a:rPr>
+              <a:t>.</a:t>
+            </a:r>
+            <a:endParaRPr kumimoji="0" lang="en-US" altLang="en-US" sz="1800" b="0" i="0" u="none" strike="noStrike" cap="none" normalizeH="0" baseline="0" dirty="0">
+              <a:ln>
+                <a:noFill/>
+              </a:ln>
+              <a:solidFill>
+                <a:schemeClr val="tx1"/>
+              </a:solidFill>
+              <a:effectLst/>
+              <a:latin typeface="Arial" panose="020B0604020202020204" pitchFamily="34" charset="0"/>
+            </a:endParaRPr>
+          </a:p>
+        </p:txBody>
+      </p:sp>
     </p:spTree>
+  </p:cSld>
+  <p:clrMapOvr>
+    <a:masterClrMapping/>
+  </p:clrMapOvr>
+</p:sld>
+</file>
+
+<file path=ppt/slides/slide9.xml><?xml version="1.0" encoding="utf-8"?>
+<p:sld xmlns:a="http://schemas.openxmlformats.org/drawingml/2006/main" xmlns:r="http://schemas.openxmlformats.org/officeDocument/2006/relationships" xmlns:p="http://schemas.openxmlformats.org/presentationml/2006/main">
+  <p:cSld>
+    <p:spTree>
+      <p:nvGrpSpPr>
+        <p:cNvPr id="1" name="">
+          <a:extLst>
+            <a:ext uri="{FF2B5EF4-FFF2-40B4-BE49-F238E27FC236}">
+              <a16:creationId xmlns:a16="http://schemas.microsoft.com/office/drawing/2014/main" id="{F91939F9-61F7-0934-979F-14457F2D772A}"/>
+            </a:ext>
+          </a:extLst>
+        </p:cNvPr>
+        <p:cNvGrpSpPr/>
+        <p:nvPr/>
+      </p:nvGrpSpPr>
+      <p:grpSpPr>
+        <a:xfrm>
+          <a:off x="0" y="0"/>
+          <a:ext cx="0" cy="0"/>
+          <a:chOff x="0" y="0"/>
+          <a:chExt cx="0" cy="0"/>
+        </a:xfrm>
+      </p:grpSpPr>
+      <p:sp>
+        <p:nvSpPr>
+          <p:cNvPr id="3" name="TextBox 3">
+            <a:extLst>
+              <a:ext uri="{FF2B5EF4-FFF2-40B4-BE49-F238E27FC236}">
+                <a16:creationId xmlns:a16="http://schemas.microsoft.com/office/drawing/2014/main" id="{179EBC6B-3E91-23F8-55F5-5C1EFEBBC3BB}"/>
+              </a:ext>
+            </a:extLst>
+          </p:cNvPr>
+          <p:cNvSpPr txBox="1"/>
+          <p:nvPr/>
+        </p:nvSpPr>
+        <p:spPr>
+          <a:xfrm>
+            <a:off x="359133" y="243719"/>
+            <a:ext cx="17090469" cy="769826"/>
+          </a:xfrm>
+          <a:prstGeom prst="rect">
+            <a:avLst/>
+          </a:prstGeom>
+        </p:spPr>
+        <p:txBody>
+          <a:bodyPr lIns="0" tIns="0" rIns="0" bIns="0" rtlCol="0" anchor="t">
+            <a:spAutoFit/>
+          </a:bodyPr>
+          <a:lstStyle/>
+          <a:p>
+            <a:pPr marL="0" lvl="0" indent="0" algn="ctr">
+              <a:lnSpc>
+                <a:spcPts val="6480"/>
+              </a:lnSpc>
+            </a:pPr>
+            <a:r>
+              <a:rPr lang="en-US" sz="4400" spc="-108" dirty="0">
+                <a:solidFill>
+                  <a:srgbClr val="4A90E2"/>
+                </a:solidFill>
+                <a:latin typeface="Tenor Sans"/>
+                <a:ea typeface="Tenor Sans"/>
+                <a:cs typeface="Tenor Sans"/>
+                <a:sym typeface="Tenor Sans"/>
+              </a:rPr>
+              <a:t>Impact on Volumes and Revenue by Group (Discount Applied)</a:t>
+            </a:r>
+          </a:p>
+        </p:txBody>
+      </p:sp>
+      <p:sp>
+        <p:nvSpPr>
+          <p:cNvPr id="5" name="Slide Number Placeholder 4">
+            <a:extLst>
+              <a:ext uri="{FF2B5EF4-FFF2-40B4-BE49-F238E27FC236}">
+                <a16:creationId xmlns:a16="http://schemas.microsoft.com/office/drawing/2014/main" id="{48ADDA75-8844-F670-F238-534698B48E44}"/>
+              </a:ext>
+            </a:extLst>
+          </p:cNvPr>
+          <p:cNvSpPr>
+            <a:spLocks noGrp="1"/>
+          </p:cNvSpPr>
+          <p:nvPr>
+            <p:ph type="sldNum" sz="quarter" idx="12"/>
+          </p:nvPr>
+        </p:nvSpPr>
+        <p:spPr>
+          <a:xfrm>
+            <a:off x="15316002" y="9435533"/>
+            <a:ext cx="2133600" cy="365125"/>
+          </a:xfrm>
+        </p:spPr>
+        <p:txBody>
+          <a:bodyPr/>
+          <a:lstStyle/>
+          <a:p>
+            <a:fld id="{B6F15528-21DE-4FAA-801E-634DDDAF4B2B}" type="slidenum">
+              <a:rPr lang="en-US" smtClean="0"/>
+              <a:pPr/>
+              <a:t>9</a:t>
+            </a:fld>
+            <a:endParaRPr lang="en-US" dirty="0"/>
+          </a:p>
+        </p:txBody>
+      </p:sp>
+      <p:pic>
+        <p:nvPicPr>
+          <p:cNvPr id="8" name="Picture 7" descr="A close-up of a graph&#10;&#10;AI-generated content may be incorrect.">
+            <a:extLst>
+              <a:ext uri="{FF2B5EF4-FFF2-40B4-BE49-F238E27FC236}">
+                <a16:creationId xmlns:a16="http://schemas.microsoft.com/office/drawing/2014/main" id="{790AEE0F-B709-9D88-8417-4C3A3CA48D77}"/>
+              </a:ext>
+            </a:extLst>
+          </p:cNvPr>
+          <p:cNvPicPr>
+            <a:picLocks noChangeAspect="1"/>
+          </p:cNvPicPr>
+          <p:nvPr/>
+        </p:nvPicPr>
+        <p:blipFill>
+          <a:blip r:embed="rId2"/>
+          <a:stretch>
+            <a:fillRect/>
+          </a:stretch>
+        </p:blipFill>
+        <p:spPr>
+          <a:xfrm>
+            <a:off x="1219199" y="1018988"/>
+            <a:ext cx="15996083" cy="8416545"/>
+          </a:xfrm>
+          <a:prstGeom prst="rect">
+            <a:avLst/>
+          </a:prstGeom>
+        </p:spPr>
+      </p:pic>
+    </p:spTree>
+    <p:extLst>
+      <p:ext uri="{BB962C8B-B14F-4D97-AF65-F5344CB8AC3E}">
+        <p14:creationId xmlns:p14="http://schemas.microsoft.com/office/powerpoint/2010/main" val="1382505911"/>
+      </p:ext>
+    </p:extLst>
   </p:cSld>
   <p:clrMapOvr>
     <a:masterClrMapping/>
